--- a/04_Architecture.pptx
+++ b/04_Architecture.pptx
@@ -5,15 +5,20 @@
     <p:sldMasterId id="2147483648" r:id="rId1"/>
   </p:sldMasterIdLst>
   <p:notesMasterIdLst>
-    <p:notesMasterId r:id="rId8"/>
+    <p:notesMasterId r:id="rId13"/>
   </p:notesMasterIdLst>
   <p:sldIdLst>
     <p:sldId id="256" r:id="rId2"/>
     <p:sldId id="263" r:id="rId3"/>
-    <p:sldId id="264" r:id="rId4"/>
-    <p:sldId id="265" r:id="rId5"/>
-    <p:sldId id="266" r:id="rId6"/>
-    <p:sldId id="259" r:id="rId7"/>
+    <p:sldId id="267" r:id="rId4"/>
+    <p:sldId id="264" r:id="rId5"/>
+    <p:sldId id="268" r:id="rId6"/>
+    <p:sldId id="269" r:id="rId7"/>
+    <p:sldId id="265" r:id="rId8"/>
+    <p:sldId id="270" r:id="rId9"/>
+    <p:sldId id="271" r:id="rId10"/>
+    <p:sldId id="266" r:id="rId11"/>
+    <p:sldId id="259" r:id="rId12"/>
   </p:sldIdLst>
   <p:sldSz cx="9144000" cy="6858000" type="screen4x3"/>
   <p:notesSz cx="6858000" cy="9144000"/>
@@ -214,7 +219,7 @@
             <a:fld id="{6837EDA8-41C8-4B24-A206-13C08A65A6D7}" type="datetimeFigureOut">
               <a:rPr lang="zh-TW" altLang="en-US" smtClean="0"/>
               <a:pPr/>
-              <a:t>2020/3/23</a:t>
+              <a:t>2020/10/6</a:t>
             </a:fld>
             <a:endParaRPr lang="zh-TW" altLang="en-US"/>
           </a:p>
@@ -667,7 +672,7 @@
             <a:fld id="{8B85509C-BD4F-47BF-9B1E-FC2E949B3621}" type="datetime1">
               <a:rPr lang="zh-TW" altLang="en-US" smtClean="0"/>
               <a:pPr/>
-              <a:t>2020/3/23</a:t>
+              <a:t>2020/10/6</a:t>
             </a:fld>
             <a:endParaRPr lang="zh-TW" altLang="en-US"/>
           </a:p>
@@ -840,7 +845,7 @@
             <a:fld id="{42251B24-F787-4C15-8A0F-7AEC20C70069}" type="datetime1">
               <a:rPr lang="zh-TW" altLang="en-US" smtClean="0"/>
               <a:pPr/>
-              <a:t>2020/3/23</a:t>
+              <a:t>2020/10/6</a:t>
             </a:fld>
             <a:endParaRPr lang="zh-TW" altLang="en-US"/>
           </a:p>
@@ -1015,7 +1020,7 @@
             <a:fld id="{9CA0D33C-CE2B-45F1-B8D4-FFD1F131F331}" type="datetime1">
               <a:rPr lang="zh-TW" altLang="en-US" smtClean="0"/>
               <a:pPr/>
-              <a:t>2020/3/23</a:t>
+              <a:t>2020/10/6</a:t>
             </a:fld>
             <a:endParaRPr lang="zh-TW" altLang="en-US"/>
           </a:p>
@@ -1180,7 +1185,7 @@
             <a:fld id="{50B99440-D9EF-40CC-9B52-F6428D9B2C76}" type="datetime1">
               <a:rPr lang="zh-TW" altLang="en-US" smtClean="0"/>
               <a:pPr/>
-              <a:t>2020/3/23</a:t>
+              <a:t>2020/10/6</a:t>
             </a:fld>
             <a:endParaRPr lang="zh-TW" altLang="en-US"/>
           </a:p>
@@ -1422,7 +1427,7 @@
             <a:fld id="{0871BF52-5C6C-4959-8E27-CECB68D39FE4}" type="datetime1">
               <a:rPr lang="zh-TW" altLang="en-US" smtClean="0"/>
               <a:pPr/>
-              <a:t>2020/3/23</a:t>
+              <a:t>2020/10/6</a:t>
             </a:fld>
             <a:endParaRPr lang="zh-TW" altLang="en-US"/>
           </a:p>
@@ -1704,7 +1709,7 @@
             <a:fld id="{DF863F05-2DD9-4EB1-A827-12FD992DE9DC}" type="datetime1">
               <a:rPr lang="zh-TW" altLang="en-US" smtClean="0"/>
               <a:pPr/>
-              <a:t>2020/3/23</a:t>
+              <a:t>2020/10/6</a:t>
             </a:fld>
             <a:endParaRPr lang="zh-TW" altLang="en-US"/>
           </a:p>
@@ -2120,7 +2125,7 @@
             <a:fld id="{6339AF51-4491-4873-A096-75DB6CE47516}" type="datetime1">
               <a:rPr lang="zh-TW" altLang="en-US" smtClean="0"/>
               <a:pPr/>
-              <a:t>2020/3/23</a:t>
+              <a:t>2020/10/6</a:t>
             </a:fld>
             <a:endParaRPr lang="zh-TW" altLang="en-US"/>
           </a:p>
@@ -2234,7 +2239,7 @@
             <a:fld id="{EE4AD9C8-8B9E-40FF-ABE2-858AC2057BBB}" type="datetime1">
               <a:rPr lang="zh-TW" altLang="en-US" smtClean="0"/>
               <a:pPr/>
-              <a:t>2020/3/23</a:t>
+              <a:t>2020/10/6</a:t>
             </a:fld>
             <a:endParaRPr lang="zh-TW" altLang="en-US"/>
           </a:p>
@@ -2326,7 +2331,7 @@
             <a:fld id="{B4784999-BBBE-4BE4-A8D0-877E7D1D66CC}" type="datetime1">
               <a:rPr lang="zh-TW" altLang="en-US" smtClean="0"/>
               <a:pPr/>
-              <a:t>2020/3/23</a:t>
+              <a:t>2020/10/6</a:t>
             </a:fld>
             <a:endParaRPr lang="zh-TW" altLang="en-US"/>
           </a:p>
@@ -2598,7 +2603,7 @@
             <a:fld id="{E88D17E6-02BD-4944-B9FE-7BFCCBF83D48}" type="datetime1">
               <a:rPr lang="zh-TW" altLang="en-US" smtClean="0"/>
               <a:pPr/>
-              <a:t>2020/3/23</a:t>
+              <a:t>2020/10/6</a:t>
             </a:fld>
             <a:endParaRPr lang="zh-TW" altLang="en-US"/>
           </a:p>
@@ -2847,7 +2852,7 @@
             <a:fld id="{3C13E23D-1FEF-4D78-A3A3-3D6F2BB31954}" type="datetime1">
               <a:rPr lang="zh-TW" altLang="en-US" smtClean="0"/>
               <a:pPr/>
-              <a:t>2020/3/23</a:t>
+              <a:t>2020/10/6</a:t>
             </a:fld>
             <a:endParaRPr lang="zh-TW" altLang="en-US"/>
           </a:p>
@@ -3055,7 +3060,7 @@
             <a:fld id="{06197F35-AD6F-4594-8B50-334492D2E7E8}" type="datetime1">
               <a:rPr lang="zh-TW" altLang="en-US" smtClean="0"/>
               <a:pPr/>
-              <a:t>2020/3/23</a:t>
+              <a:t>2020/10/6</a:t>
             </a:fld>
             <a:endParaRPr lang="zh-TW" altLang="en-US"/>
           </a:p>
@@ -3516,7 +3521,7 @@
             <a:fld id="{C389EDC9-19E3-47AC-9C57-C6A24DEA81AD}" type="datetime1">
               <a:rPr lang="zh-TW" altLang="en-US" smtClean="0"/>
               <a:pPr/>
-              <a:t>2020/3/23</a:t>
+              <a:t>2020/10/6</a:t>
             </a:fld>
             <a:endParaRPr lang="zh-TW" altLang="en-US"/>
           </a:p>
@@ -3584,7 +3589,7 @@
 </p:sld>
 </file>
 
-<file path=ppt/slides/slide2.xml><?xml version="1.0" encoding="utf-8"?>
+<file path=ppt/slides/slide10.xml><?xml version="1.0" encoding="utf-8"?>
 <p:sld xmlns:a="http://schemas.openxmlformats.org/drawingml/2006/main" xmlns:r="http://schemas.openxmlformats.org/officeDocument/2006/relationships" xmlns:p="http://schemas.openxmlformats.org/presentationml/2006/main">
   <p:cSld>
     <p:spTree>
@@ -3651,12 +3656,12 @@
           <a:p>
             <a:pPr algn="l"/>
             <a:r>
-              <a:rPr lang="en-US" altLang="zh-TW" b="1" dirty="0">
+              <a:rPr lang="en-US" altLang="zh-TW" sz="4400" b="1" dirty="0">
                 <a:solidFill>
                   <a:srgbClr val="FFFF00"/>
                 </a:solidFill>
               </a:rPr>
-              <a:t>4 Architecture</a:t>
+              <a:t>4.3 Hybrid Approach</a:t>
             </a:r>
             <a:endParaRPr lang="zh-TW" altLang="en-US" b="1" dirty="0">
               <a:solidFill>
@@ -3678,8 +3683,8 @@
         </p:nvSpPr>
         <p:spPr>
           <a:xfrm>
-            <a:off x="467544" y="1340768"/>
-            <a:ext cx="8352928" cy="3888432"/>
+            <a:off x="467544" y="1340767"/>
+            <a:ext cx="8352928" cy="1728193"/>
           </a:xfrm>
           <a:ln>
             <a:solidFill>
@@ -3702,40 +3707,12 @@
               <a:buChar char="u"/>
             </a:pPr>
             <a:r>
-              <a:rPr lang="en-US" altLang="zh-TW" sz="1800" b="1" dirty="0" err="1">
-                <a:solidFill>
-                  <a:schemeClr val="tx1"/>
-                </a:solidFill>
-                <a:latin typeface="+mj-lt"/>
-              </a:rPr>
-              <a:t>GraphQL</a:t>
-            </a:r>
-            <a:r>
               <a:rPr lang="en-US" altLang="zh-TW" sz="1800" b="1" dirty="0">
                 <a:solidFill>
                   <a:schemeClr val="tx1"/>
                 </a:solidFill>
-                <a:latin typeface="+mj-lt"/>
               </a:rPr>
-              <a:t> is a specification that describes the behavior of a </a:t>
-            </a:r>
-            <a:r>
-              <a:rPr lang="en-US" altLang="zh-TW" sz="1800" b="1" dirty="0" err="1">
-                <a:solidFill>
-                  <a:schemeClr val="tx1"/>
-                </a:solidFill>
-                <a:latin typeface="+mj-lt"/>
-              </a:rPr>
-              <a:t>GraphcQL</a:t>
-            </a:r>
-            <a:r>
-              <a:rPr lang="en-US" altLang="zh-TW" sz="1800" b="1" dirty="0">
-                <a:solidFill>
-                  <a:schemeClr val="tx1"/>
-                </a:solidFill>
-                <a:latin typeface="+mj-lt"/>
-              </a:rPr>
-              <a:t> server. </a:t>
+              <a:t>Hybrid Approach</a:t>
             </a:r>
           </a:p>
           <a:p>
@@ -3748,13 +3725,13 @@
               <a:buChar char="u"/>
             </a:pPr>
             <a:r>
-              <a:rPr lang="en-US" altLang="zh-TW" sz="1800" b="1" dirty="0">
+              <a:rPr lang="en-US" sz="1800" b="1" i="0" dirty="0">
                 <a:solidFill>
-                  <a:schemeClr val="tx1"/>
+                  <a:srgbClr val="000000"/>
                 </a:solidFill>
-                <a:latin typeface="+mj-lt"/>
+                <a:effectLst/>
               </a:rPr>
-              <a:t>It is a set of guidelines on how requests and responses should handled like supported protocols.</a:t>
+              <a:t>Finally, we can combine the above two approaches and build a GraphQL server. </a:t>
             </a:r>
           </a:p>
           <a:p>
@@ -3767,31 +3744,13 @@
               <a:buChar char="u"/>
             </a:pPr>
             <a:r>
-              <a:rPr lang="en-US" altLang="zh-TW" sz="1800" b="1" dirty="0">
+              <a:rPr lang="en-US" sz="1800" b="1" i="0" dirty="0">
                 <a:solidFill>
-                  <a:schemeClr val="tx1"/>
+                  <a:srgbClr val="000000"/>
                 </a:solidFill>
-                <a:latin typeface="+mj-lt"/>
+                <a:effectLst/>
               </a:rPr>
-              <a:t>The request is made by the client to </a:t>
-            </a:r>
-            <a:r>
-              <a:rPr lang="en-US" altLang="zh-TW" sz="1800" b="1" dirty="0" err="1">
-                <a:solidFill>
-                  <a:schemeClr val="tx1"/>
-                </a:solidFill>
-                <a:latin typeface="+mj-lt"/>
-              </a:rPr>
-              <a:t>graphQL</a:t>
-            </a:r>
-            <a:r>
-              <a:rPr lang="en-US" altLang="zh-TW" sz="1800" b="1" dirty="0">
-                <a:solidFill>
-                  <a:schemeClr val="tx1"/>
-                </a:solidFill>
-                <a:latin typeface="+mj-lt"/>
-              </a:rPr>
-              <a:t> server is called a Query.</a:t>
+              <a:t>In this architecture, the GraphQL server will resolve any request that is received.</a:t>
             </a:r>
           </a:p>
           <a:p>
@@ -3804,31 +3763,13 @@
               <a:buChar char="u"/>
             </a:pPr>
             <a:r>
-              <a:rPr lang="en-US" altLang="zh-TW" sz="1800" b="1" dirty="0">
+              <a:rPr lang="en-US" sz="1800" b="1" i="0" dirty="0">
                 <a:solidFill>
-                  <a:schemeClr val="tx1"/>
+                  <a:srgbClr val="000000"/>
                 </a:solidFill>
-                <a:latin typeface="+mj-lt"/>
+                <a:effectLst/>
               </a:rPr>
-              <a:t>Another important concept of </a:t>
-            </a:r>
-            <a:r>
-              <a:rPr lang="en-US" altLang="zh-TW" sz="1800" b="1" dirty="0" err="1">
-                <a:solidFill>
-                  <a:schemeClr val="tx1"/>
-                </a:solidFill>
-                <a:latin typeface="+mj-lt"/>
-              </a:rPr>
-              <a:t>GraphQL</a:t>
-            </a:r>
-            <a:r>
-              <a:rPr lang="en-US" altLang="zh-TW" sz="1800" b="1" dirty="0">
-                <a:solidFill>
-                  <a:schemeClr val="tx1"/>
-                </a:solidFill>
-                <a:latin typeface="+mj-lt"/>
-              </a:rPr>
-              <a:t> is its transport layer agnostics (unknown).</a:t>
+              <a:t>It will either retrieve data from connected database or from the integrated API’s.</a:t>
             </a:r>
           </a:p>
           <a:p>
@@ -3841,135 +3782,28 @@
               <a:buChar char="u"/>
             </a:pPr>
             <a:r>
-              <a:rPr lang="en-US" altLang="zh-TW" sz="1800" b="1" dirty="0">
+              <a:rPr lang="en-US" sz="1800" b="1" i="0" dirty="0">
                 <a:solidFill>
-                  <a:schemeClr val="tx1"/>
+                  <a:srgbClr val="000000"/>
                 </a:solidFill>
-                <a:latin typeface="+mj-lt"/>
+                <a:effectLst/>
               </a:rPr>
-              <a:t>It can be used any available network protocol like TCP, </a:t>
-            </a:r>
-            <a:r>
-              <a:rPr lang="en-US" altLang="zh-TW" sz="1800" b="1" dirty="0" err="1">
+              <a:t>This is represented in the </a:t>
+            </a:r>
+            <a:r>
+              <a:rPr lang="en-US" sz="1800" b="1" i="0">
                 <a:solidFill>
-                  <a:schemeClr val="tx1"/>
+                  <a:srgbClr val="000000"/>
                 </a:solidFill>
-                <a:latin typeface="+mj-lt"/>
+                <a:effectLst/>
               </a:rPr>
-              <a:t>websocket</a:t>
-            </a:r>
-            <a:r>
-              <a:rPr lang="en-US" altLang="zh-TW" sz="1800" b="1" dirty="0">
-                <a:solidFill>
-                  <a:schemeClr val="tx1"/>
-                </a:solidFill>
-                <a:latin typeface="+mj-lt"/>
-              </a:rPr>
-              <a:t> or any other transport layer protocol.  It is neutral to databases. You can use it with relational or NoSQL database.</a:t>
-            </a:r>
-          </a:p>
-          <a:p>
-            <a:pPr marL="342900" indent="-342900" algn="l">
-              <a:buClr>
-                <a:srgbClr val="0070C0"/>
-              </a:buClr>
-              <a:buSzPct val="80000"/>
-              <a:buFont typeface="Wingdings" pitchFamily="2" charset="2"/>
-              <a:buChar char="u"/>
-            </a:pPr>
-            <a:r>
-              <a:rPr lang="en-US" altLang="zh-TW" sz="1800" b="1" dirty="0" err="1">
-                <a:solidFill>
-                  <a:schemeClr val="tx1"/>
-                </a:solidFill>
-                <a:latin typeface="+mj-lt"/>
-              </a:rPr>
-              <a:t>GraphQL</a:t>
-            </a:r>
-            <a:r>
-              <a:rPr lang="en-US" altLang="zh-TW" sz="1800" b="1" dirty="0">
-                <a:solidFill>
-                  <a:schemeClr val="tx1"/>
-                </a:solidFill>
-                <a:latin typeface="+mj-lt"/>
-              </a:rPr>
-              <a:t> Server can be deployed by using any of three methods:</a:t>
-            </a:r>
-          </a:p>
-          <a:p>
-            <a:pPr marL="800100" lvl="1" indent="-342900" algn="l">
-              <a:buClr>
-                <a:srgbClr val="0070C0"/>
-              </a:buClr>
-              <a:buSzPct val="80000"/>
-              <a:buFont typeface="Wingdings" pitchFamily="2" charset="2"/>
-              <a:buChar char="u"/>
-            </a:pPr>
-            <a:r>
-              <a:rPr lang="en-US" altLang="zh-TW" sz="1800" b="1" dirty="0" err="1">
-                <a:solidFill>
-                  <a:schemeClr val="tx1"/>
-                </a:solidFill>
-                <a:latin typeface="+mj-lt"/>
-              </a:rPr>
-              <a:t>GraphQL</a:t>
-            </a:r>
-            <a:r>
-              <a:rPr lang="en-US" altLang="zh-TW" sz="1800" b="1" dirty="0">
-                <a:solidFill>
-                  <a:schemeClr val="tx1"/>
-                </a:solidFill>
-                <a:latin typeface="+mj-lt"/>
-              </a:rPr>
-              <a:t> server with connected database</a:t>
-            </a:r>
-          </a:p>
-          <a:p>
-            <a:pPr marL="800100" lvl="1" indent="-342900" algn="l">
-              <a:buClr>
-                <a:srgbClr val="0070C0"/>
-              </a:buClr>
-              <a:buSzPct val="80000"/>
-              <a:buFont typeface="Wingdings" pitchFamily="2" charset="2"/>
-              <a:buChar char="u"/>
-            </a:pPr>
-            <a:r>
-              <a:rPr lang="en-US" altLang="zh-TW" sz="1800" b="1" dirty="0" err="1">
-                <a:solidFill>
-                  <a:schemeClr val="tx1"/>
-                </a:solidFill>
-                <a:latin typeface="+mj-lt"/>
-              </a:rPr>
-              <a:t>GraphQL</a:t>
-            </a:r>
-            <a:r>
-              <a:rPr lang="en-US" altLang="zh-TW" sz="1800" b="1" dirty="0">
-                <a:solidFill>
-                  <a:schemeClr val="tx1"/>
-                </a:solidFill>
-                <a:latin typeface="+mj-lt"/>
-              </a:rPr>
-              <a:t> Server that integrate existing systems</a:t>
-            </a:r>
-          </a:p>
-          <a:p>
-            <a:pPr marL="800100" lvl="1" indent="-342900" algn="l">
-              <a:buClr>
-                <a:srgbClr val="0070C0"/>
-              </a:buClr>
-              <a:buSzPct val="80000"/>
-              <a:buFont typeface="Wingdings" pitchFamily="2" charset="2"/>
-              <a:buChar char="u"/>
-            </a:pPr>
-            <a:r>
-              <a:rPr lang="en-US" altLang="zh-TW" sz="1800" b="1" dirty="0">
-                <a:solidFill>
-                  <a:schemeClr val="tx1"/>
-                </a:solidFill>
-                <a:latin typeface="+mj-lt"/>
-              </a:rPr>
-              <a:t>Hybrid approach</a:t>
-            </a:r>
+              <a:t>below diagram.</a:t>
+            </a:r>
+            <a:endParaRPr lang="en-US" altLang="zh-TW" sz="1800" b="1" dirty="0">
+              <a:solidFill>
+                <a:schemeClr val="tx1"/>
+              </a:solidFill>
+            </a:endParaRPr>
           </a:p>
           <a:p>
             <a:pPr marL="800100" lvl="1" indent="-342900" algn="l">
@@ -3984,7 +3818,6 @@
               <a:solidFill>
                 <a:schemeClr val="tx1"/>
               </a:solidFill>
-              <a:latin typeface="+mj-lt"/>
             </a:endParaRPr>
           </a:p>
         </p:txBody>
@@ -4071,7 +3904,7 @@
             <a:fld id="{A4F910E6-8D00-4BAF-8C48-9688E0B449D3}" type="datetime1">
               <a:rPr lang="zh-TW" altLang="en-US" smtClean="0"/>
               <a:pPr/>
-              <a:t>2020/3/23</a:t>
+              <a:t>2020/10/6</a:t>
             </a:fld>
             <a:endParaRPr lang="zh-TW" altLang="en-US"/>
           </a:p>
@@ -4100,7 +3933,184 @@
             <a:fld id="{E4D7E63D-91F2-4366-A2C4-1B00C9E2590E}" type="slidenum">
               <a:rPr lang="zh-TW" altLang="en-US" smtClean="0"/>
               <a:pPr/>
-              <a:t>2</a:t>
+              <a:t>10</a:t>
+            </a:fld>
+            <a:endParaRPr lang="zh-TW" altLang="en-US"/>
+          </a:p>
+        </p:txBody>
+      </p:sp>
+      <p:pic>
+        <p:nvPicPr>
+          <p:cNvPr id="7" name="Picture 6">
+            <a:extLst>
+              <a:ext uri="{FF2B5EF4-FFF2-40B4-BE49-F238E27FC236}">
+                <a16:creationId xmlns:a16="http://schemas.microsoft.com/office/drawing/2014/main" id="{A6C2D4E1-722F-466E-9037-37CB826882FE}"/>
+              </a:ext>
+            </a:extLst>
+          </p:cNvPr>
+          <p:cNvPicPr>
+            <a:picLocks noChangeAspect="1"/>
+          </p:cNvPicPr>
+          <p:nvPr/>
+        </p:nvPicPr>
+        <p:blipFill>
+          <a:blip r:embed="rId3"/>
+          <a:stretch>
+            <a:fillRect/>
+          </a:stretch>
+        </p:blipFill>
+        <p:spPr>
+          <a:xfrm>
+            <a:off x="1331640" y="3235796"/>
+            <a:ext cx="5810250" cy="2857500"/>
+          </a:xfrm>
+          <a:prstGeom prst="rect">
+            <a:avLst/>
+          </a:prstGeom>
+          <a:ln>
+            <a:solidFill>
+              <a:srgbClr val="C00000"/>
+            </a:solidFill>
+          </a:ln>
+        </p:spPr>
+      </p:pic>
+    </p:spTree>
+    <p:extLst>
+      <p:ext uri="{BB962C8B-B14F-4D97-AF65-F5344CB8AC3E}">
+        <p14:creationId xmlns:p14="http://schemas.microsoft.com/office/powerpoint/2010/main" val="161825112"/>
+      </p:ext>
+    </p:extLst>
+  </p:cSld>
+  <p:clrMapOvr>
+    <a:masterClrMapping/>
+  </p:clrMapOvr>
+</p:sld>
+</file>
+
+<file path=ppt/slides/slide11.xml><?xml version="1.0" encoding="utf-8"?>
+<p:sld xmlns:a="http://schemas.openxmlformats.org/drawingml/2006/main" xmlns:r="http://schemas.openxmlformats.org/officeDocument/2006/relationships" xmlns:p="http://schemas.openxmlformats.org/presentationml/2006/main">
+  <p:cSld>
+    <p:spTree>
+      <p:nvGrpSpPr>
+        <p:cNvPr id="1" name=""/>
+        <p:cNvGrpSpPr/>
+        <p:nvPr/>
+      </p:nvGrpSpPr>
+      <p:grpSpPr>
+        <a:xfrm>
+          <a:off x="0" y="0"/>
+          <a:ext cx="0" cy="0"/>
+          <a:chOff x="0" y="0"/>
+          <a:chExt cx="0" cy="0"/>
+        </a:xfrm>
+      </p:grpSpPr>
+      <p:sp>
+        <p:nvSpPr>
+          <p:cNvPr id="2" name="標題 1"/>
+          <p:cNvSpPr>
+            <a:spLocks noGrp="1"/>
+          </p:cNvSpPr>
+          <p:nvPr>
+            <p:ph type="ctrTitle"/>
+          </p:nvPr>
+        </p:nvSpPr>
+        <p:spPr>
+          <a:xfrm>
+            <a:off x="0" y="2130425"/>
+            <a:ext cx="9144000" cy="1470025"/>
+          </a:xfrm>
+          <a:gradFill flip="none" rotWithShape="1">
+            <a:gsLst>
+              <a:gs pos="0">
+                <a:srgbClr val="00B0F0">
+                  <a:shade val="30000"/>
+                  <a:satMod val="115000"/>
+                </a:srgbClr>
+              </a:gs>
+              <a:gs pos="50000">
+                <a:srgbClr val="00B0F0">
+                  <a:shade val="67500"/>
+                  <a:satMod val="115000"/>
+                </a:srgbClr>
+              </a:gs>
+              <a:gs pos="100000">
+                <a:srgbClr val="00B0F0">
+                  <a:shade val="100000"/>
+                  <a:satMod val="115000"/>
+                </a:srgbClr>
+              </a:gs>
+            </a:gsLst>
+            <a:path path="circle">
+              <a:fillToRect t="100000" r="100000"/>
+            </a:path>
+            <a:tileRect l="-100000" b="-100000"/>
+          </a:gradFill>
+        </p:spPr>
+        <p:txBody>
+          <a:bodyPr>
+            <a:normAutofit/>
+          </a:bodyPr>
+          <a:lstStyle/>
+          <a:p>
+            <a:r>
+              <a:rPr lang="en-US" altLang="zh-TW" sz="6000" b="1" dirty="0">
+                <a:solidFill>
+                  <a:srgbClr val="FFFF00"/>
+                </a:solidFill>
+              </a:rPr>
+              <a:t>End of Chapter</a:t>
+            </a:r>
+            <a:endParaRPr lang="zh-TW" altLang="en-US" sz="6000" b="1" dirty="0">
+              <a:solidFill>
+                <a:srgbClr val="FFFF00"/>
+              </a:solidFill>
+            </a:endParaRPr>
+          </a:p>
+        </p:txBody>
+      </p:sp>
+      <p:sp>
+        <p:nvSpPr>
+          <p:cNvPr id="5" name="日期版面配置區 4"/>
+          <p:cNvSpPr>
+            <a:spLocks noGrp="1"/>
+          </p:cNvSpPr>
+          <p:nvPr>
+            <p:ph type="dt" sz="half" idx="10"/>
+          </p:nvPr>
+        </p:nvSpPr>
+        <p:spPr/>
+        <p:txBody>
+          <a:bodyPr/>
+          <a:lstStyle/>
+          <a:p>
+            <a:fld id="{4E46BE27-E923-4EC2-B046-3272AE2A3E5C}" type="datetime1">
+              <a:rPr lang="zh-TW" altLang="en-US" smtClean="0"/>
+              <a:pPr/>
+              <a:t>2020/10/6</a:t>
+            </a:fld>
+            <a:endParaRPr lang="zh-TW" altLang="en-US"/>
+          </a:p>
+        </p:txBody>
+      </p:sp>
+      <p:sp>
+        <p:nvSpPr>
+          <p:cNvPr id="6" name="投影片編號版面配置區 5"/>
+          <p:cNvSpPr>
+            <a:spLocks noGrp="1"/>
+          </p:cNvSpPr>
+          <p:nvPr>
+            <p:ph type="sldNum" sz="quarter" idx="12"/>
+          </p:nvPr>
+        </p:nvSpPr>
+        <p:spPr/>
+        <p:txBody>
+          <a:bodyPr/>
+          <a:lstStyle/>
+          <a:p>
+            <a:fld id="{E4D7E63D-91F2-4366-A2C4-1B00C9E2590E}" type="slidenum">
+              <a:rPr lang="zh-TW" altLang="en-US" smtClean="0"/>
+              <a:pPr/>
+              <a:t>11</a:t>
             </a:fld>
             <a:endParaRPr lang="zh-TW" altLang="en-US"/>
           </a:p>
@@ -4114,7 +4124,7 @@
 </p:sld>
 </file>
 
-<file path=ppt/slides/slide3.xml><?xml version="1.0" encoding="utf-8"?>
+<file path=ppt/slides/slide2.xml><?xml version="1.0" encoding="utf-8"?>
 <p:sld xmlns:a="http://schemas.openxmlformats.org/drawingml/2006/main" xmlns:r="http://schemas.openxmlformats.org/officeDocument/2006/relationships" xmlns:p="http://schemas.openxmlformats.org/presentationml/2006/main">
   <p:cSld>
     <p:spTree>
@@ -4208,8 +4218,8 @@
         </p:nvSpPr>
         <p:spPr>
           <a:xfrm>
-            <a:off x="467544" y="1340768"/>
-            <a:ext cx="8352928" cy="398616"/>
+            <a:off x="467544" y="1340767"/>
+            <a:ext cx="8352928" cy="4616967"/>
           </a:xfrm>
           <a:ln>
             <a:solidFill>
@@ -4232,22 +4242,193 @@
               <a:buChar char="u"/>
             </a:pPr>
             <a:r>
-              <a:rPr lang="en-US" altLang="zh-TW" sz="1800" b="1" dirty="0" err="1">
-                <a:solidFill>
-                  <a:schemeClr val="tx1"/>
-                </a:solidFill>
-                <a:latin typeface="+mj-lt"/>
-              </a:rPr>
-              <a:t>GraphQL</a:t>
-            </a:r>
-            <a:r>
               <a:rPr lang="en-US" altLang="zh-TW" sz="1800" b="1" dirty="0">
                 <a:solidFill>
                   <a:schemeClr val="tx1"/>
                 </a:solidFill>
-                <a:latin typeface="+mj-lt"/>
               </a:rPr>
-              <a:t> Server with Connected Database</a:t>
+              <a:t>GraphQL is a specification that describes the behavior of a GraphQL server. </a:t>
+            </a:r>
+          </a:p>
+          <a:p>
+            <a:pPr marL="342900" indent="-342900" algn="l">
+              <a:buClr>
+                <a:srgbClr val="0070C0"/>
+              </a:buClr>
+              <a:buSzPct val="80000"/>
+              <a:buFont typeface="Wingdings" pitchFamily="2" charset="2"/>
+              <a:buChar char="u"/>
+            </a:pPr>
+            <a:r>
+              <a:rPr lang="en-US" sz="1800" b="1" i="0" dirty="0">
+                <a:solidFill>
+                  <a:srgbClr val="000000"/>
+                </a:solidFill>
+                <a:effectLst/>
+              </a:rPr>
+              <a:t>It is a set of guidelines on how requests and responses should be handled like supported protocols, format of the data that can be accepted by the server, format of the response returned by the server, etc. </a:t>
+            </a:r>
+          </a:p>
+          <a:p>
+            <a:pPr marL="342900" indent="-342900" algn="l">
+              <a:buClr>
+                <a:srgbClr val="0070C0"/>
+              </a:buClr>
+              <a:buSzPct val="80000"/>
+              <a:buFont typeface="Wingdings" pitchFamily="2" charset="2"/>
+              <a:buChar char="u"/>
+            </a:pPr>
+            <a:r>
+              <a:rPr lang="en-US" altLang="zh-TW" sz="1800" b="1" dirty="0">
+                <a:solidFill>
+                  <a:schemeClr val="tx1"/>
+                </a:solidFill>
+              </a:rPr>
+              <a:t>The request is made by the client to GraphQL server is called a Query.</a:t>
+            </a:r>
+          </a:p>
+          <a:p>
+            <a:pPr marL="342900" indent="-342900" algn="l">
+              <a:buClr>
+                <a:srgbClr val="0070C0"/>
+              </a:buClr>
+              <a:buSzPct val="80000"/>
+              <a:buFont typeface="Wingdings" pitchFamily="2" charset="2"/>
+              <a:buChar char="u"/>
+            </a:pPr>
+            <a:r>
+              <a:rPr lang="en-US" altLang="zh-TW" sz="1800" b="1" dirty="0">
+                <a:solidFill>
+                  <a:schemeClr val="tx1"/>
+                </a:solidFill>
+              </a:rPr>
+              <a:t>Another important concept of GraphQL is its transport layer agnostics (unknown).</a:t>
+            </a:r>
+          </a:p>
+          <a:p>
+            <a:pPr marL="342900" indent="-342900" algn="l">
+              <a:buClr>
+                <a:srgbClr val="0070C0"/>
+              </a:buClr>
+              <a:buSzPct val="80000"/>
+              <a:buFont typeface="Wingdings" pitchFamily="2" charset="2"/>
+              <a:buChar char="u"/>
+            </a:pPr>
+            <a:r>
+              <a:rPr lang="en-US" altLang="zh-TW" sz="1800" b="1" dirty="0">
+                <a:solidFill>
+                  <a:schemeClr val="tx1"/>
+                </a:solidFill>
+              </a:rPr>
+              <a:t>GraphQL can be used any available network protocol like TCP, websocket or any other transport layer protocol.  </a:t>
+            </a:r>
+          </a:p>
+          <a:p>
+            <a:pPr marL="342900" indent="-342900" algn="l">
+              <a:buClr>
+                <a:srgbClr val="0070C0"/>
+              </a:buClr>
+              <a:buSzPct val="80000"/>
+              <a:buFont typeface="Wingdings" pitchFamily="2" charset="2"/>
+              <a:buChar char="u"/>
+            </a:pPr>
+            <a:r>
+              <a:rPr lang="en-US" altLang="zh-TW" sz="1800" b="1" dirty="0">
+                <a:solidFill>
+                  <a:schemeClr val="tx1"/>
+                </a:solidFill>
+              </a:rPr>
+              <a:t>GraphQL is also neutral to databases. </a:t>
+            </a:r>
+          </a:p>
+          <a:p>
+            <a:pPr marL="342900" indent="-342900" algn="l">
+              <a:buClr>
+                <a:srgbClr val="0070C0"/>
+              </a:buClr>
+              <a:buSzPct val="80000"/>
+              <a:buFont typeface="Wingdings" pitchFamily="2" charset="2"/>
+              <a:buChar char="u"/>
+            </a:pPr>
+            <a:r>
+              <a:rPr lang="en-US" altLang="zh-TW" sz="1800" b="1" dirty="0">
+                <a:solidFill>
+                  <a:schemeClr val="tx1"/>
+                </a:solidFill>
+              </a:rPr>
+              <a:t>You can use it with relational or NoSQL database.</a:t>
+            </a:r>
+          </a:p>
+          <a:p>
+            <a:pPr marL="342900" indent="-342900" algn="l">
+              <a:buClr>
+                <a:srgbClr val="0070C0"/>
+              </a:buClr>
+              <a:buSzPct val="80000"/>
+              <a:buFont typeface="Wingdings" pitchFamily="2" charset="2"/>
+              <a:buChar char="u"/>
+            </a:pPr>
+            <a:r>
+              <a:rPr lang="en-US" altLang="zh-TW" sz="1800" b="1" dirty="0">
+                <a:solidFill>
+                  <a:schemeClr val="tx1"/>
+                </a:solidFill>
+              </a:rPr>
+              <a:t>GraphQL Server can be deployed by using any of three methods:</a:t>
+            </a:r>
+          </a:p>
+          <a:p>
+            <a:pPr marL="800100" lvl="1" indent="-342900" algn="l">
+              <a:buClr>
+                <a:srgbClr val="0070C0"/>
+              </a:buClr>
+              <a:buSzPct val="80000"/>
+              <a:buFont typeface="Wingdings" pitchFamily="2" charset="2"/>
+              <a:buChar char="u"/>
+            </a:pPr>
+            <a:r>
+              <a:rPr lang="en-US" altLang="zh-TW" sz="1800" b="1" dirty="0">
+                <a:solidFill>
+                  <a:schemeClr val="tx1"/>
+                </a:solidFill>
+              </a:rPr>
+              <a:t>GraphQL server with connected database</a:t>
+            </a:r>
+          </a:p>
+          <a:p>
+            <a:pPr marL="800100" lvl="1" indent="-342900" algn="l">
+              <a:buClr>
+                <a:srgbClr val="0070C0"/>
+              </a:buClr>
+              <a:buSzPct val="80000"/>
+              <a:buFont typeface="Wingdings" pitchFamily="2" charset="2"/>
+              <a:buChar char="u"/>
+            </a:pPr>
+            <a:r>
+              <a:rPr lang="en-US" altLang="zh-TW" sz="1800" b="1" dirty="0">
+                <a:solidFill>
+                  <a:schemeClr val="tx1"/>
+                </a:solidFill>
+              </a:rPr>
+              <a:t>GraphQL Server that integrate existing systems</a:t>
+            </a:r>
+          </a:p>
+          <a:p>
+            <a:pPr marL="800100" lvl="1" indent="-342900" algn="l">
+              <a:buClr>
+                <a:srgbClr val="0070C0"/>
+              </a:buClr>
+              <a:buSzPct val="80000"/>
+              <a:buFont typeface="Wingdings" pitchFamily="2" charset="2"/>
+              <a:buChar char="u"/>
+            </a:pPr>
+            <a:r>
+              <a:rPr lang="en-US" altLang="zh-TW" sz="1800" b="1" dirty="0">
+                <a:solidFill>
+                  <a:schemeClr val="tx1"/>
+                </a:solidFill>
+              </a:rPr>
+              <a:t>Hybrid approach</a:t>
             </a:r>
           </a:p>
           <a:p>
@@ -4263,7 +4444,6 @@
               <a:solidFill>
                 <a:schemeClr val="tx1"/>
               </a:solidFill>
-              <a:latin typeface="+mj-lt"/>
             </a:endParaRPr>
           </a:p>
         </p:txBody>
@@ -4350,7 +4530,7 @@
             <a:fld id="{A4F910E6-8D00-4BAF-8C48-9688E0B449D3}" type="datetime1">
               <a:rPr lang="zh-TW" altLang="en-US" smtClean="0"/>
               <a:pPr/>
-              <a:t>2020/3/23</a:t>
+              <a:t>2020/10/6</a:t>
             </a:fld>
             <a:endParaRPr lang="zh-TW" altLang="en-US"/>
           </a:p>
@@ -4372,6 +4552,150 @@
             <a:ext cx="2133600" cy="404246"/>
           </a:xfrm>
         </p:spPr>
+        <p:txBody>
+          <a:bodyPr/>
+          <a:lstStyle/>
+          <a:p>
+            <a:fld id="{E4D7E63D-91F2-4366-A2C4-1B00C9E2590E}" type="slidenum">
+              <a:rPr lang="zh-TW" altLang="en-US" smtClean="0"/>
+              <a:pPr/>
+              <a:t>2</a:t>
+            </a:fld>
+            <a:endParaRPr lang="zh-TW" altLang="en-US"/>
+          </a:p>
+        </p:txBody>
+      </p:sp>
+    </p:spTree>
+  </p:cSld>
+  <p:clrMapOvr>
+    <a:masterClrMapping/>
+  </p:clrMapOvr>
+</p:sld>
+</file>
+
+<file path=ppt/slides/slide3.xml><?xml version="1.0" encoding="utf-8"?>
+<p:sld xmlns:a="http://schemas.openxmlformats.org/drawingml/2006/main" xmlns:r="http://schemas.openxmlformats.org/officeDocument/2006/relationships" xmlns:p="http://schemas.openxmlformats.org/presentationml/2006/main">
+  <p:cSld>
+    <p:spTree>
+      <p:nvGrpSpPr>
+        <p:cNvPr id="1" name=""/>
+        <p:cNvGrpSpPr/>
+        <p:nvPr/>
+      </p:nvGrpSpPr>
+      <p:grpSpPr>
+        <a:xfrm>
+          <a:off x="0" y="0"/>
+          <a:ext cx="0" cy="0"/>
+          <a:chOff x="0" y="0"/>
+          <a:chExt cx="0" cy="0"/>
+        </a:xfrm>
+      </p:grpSpPr>
+      <p:sp>
+        <p:nvSpPr>
+          <p:cNvPr id="2" name="標題 1"/>
+          <p:cNvSpPr>
+            <a:spLocks noGrp="1"/>
+          </p:cNvSpPr>
+          <p:nvPr>
+            <p:ph type="ctrTitle"/>
+          </p:nvPr>
+        </p:nvSpPr>
+        <p:spPr>
+          <a:xfrm>
+            <a:off x="0" y="2130425"/>
+            <a:ext cx="9144000" cy="1470025"/>
+          </a:xfrm>
+          <a:solidFill>
+            <a:srgbClr val="00B0F0"/>
+          </a:solidFill>
+        </p:spPr>
+        <p:txBody>
+          <a:bodyPr>
+            <a:normAutofit/>
+          </a:bodyPr>
+          <a:lstStyle/>
+          <a:p>
+            <a:r>
+              <a:rPr lang="en-US" altLang="zh-TW" sz="3600" b="1" dirty="0">
+                <a:solidFill>
+                  <a:srgbClr val="FFFF00"/>
+                </a:solidFill>
+              </a:rPr>
+              <a:t>4.1 GraphQL Server with Connected Database</a:t>
+            </a:r>
+            <a:endParaRPr lang="zh-TW" altLang="en-US" sz="3600" b="1" dirty="0">
+              <a:solidFill>
+                <a:srgbClr val="FFFF00"/>
+              </a:solidFill>
+            </a:endParaRPr>
+          </a:p>
+        </p:txBody>
+      </p:sp>
+      <p:sp>
+        <p:nvSpPr>
+          <p:cNvPr id="3" name="副標題 2"/>
+          <p:cNvSpPr>
+            <a:spLocks noGrp="1"/>
+          </p:cNvSpPr>
+          <p:nvPr>
+            <p:ph type="subTitle" idx="1"/>
+          </p:nvPr>
+        </p:nvSpPr>
+        <p:spPr>
+          <a:xfrm>
+            <a:off x="1259632" y="4581128"/>
+            <a:ext cx="6400800" cy="694928"/>
+          </a:xfrm>
+        </p:spPr>
+        <p:txBody>
+          <a:bodyPr>
+            <a:normAutofit/>
+          </a:bodyPr>
+          <a:lstStyle/>
+          <a:p>
+            <a:r>
+              <a:rPr lang="en-US" altLang="zh-TW" dirty="0"/>
+              <a:t>Peter H. Chen</a:t>
+            </a:r>
+            <a:endParaRPr lang="zh-TW" altLang="en-US" dirty="0"/>
+          </a:p>
+        </p:txBody>
+      </p:sp>
+      <p:sp>
+        <p:nvSpPr>
+          <p:cNvPr id="5" name="日期版面配置區 4"/>
+          <p:cNvSpPr>
+            <a:spLocks noGrp="1"/>
+          </p:cNvSpPr>
+          <p:nvPr>
+            <p:ph type="dt" sz="half" idx="10"/>
+          </p:nvPr>
+        </p:nvSpPr>
+        <p:spPr/>
+        <p:txBody>
+          <a:bodyPr/>
+          <a:lstStyle/>
+          <a:p>
+            <a:fld id="{C389EDC9-19E3-47AC-9C57-C6A24DEA81AD}" type="datetime1">
+              <a:rPr lang="zh-TW" altLang="en-US" smtClean="0"/>
+              <a:pPr/>
+              <a:t>2020/10/6</a:t>
+            </a:fld>
+            <a:endParaRPr lang="zh-TW" altLang="en-US"/>
+          </a:p>
+        </p:txBody>
+      </p:sp>
+      <p:sp>
+        <p:nvSpPr>
+          <p:cNvPr id="6" name="投影片編號版面配置區 5"/>
+          <p:cNvSpPr>
+            <a:spLocks noGrp="1"/>
+          </p:cNvSpPr>
+          <p:nvPr>
+            <p:ph type="sldNum" sz="quarter" idx="12"/>
+          </p:nvPr>
+        </p:nvSpPr>
+        <p:spPr/>
         <p:txBody>
           <a:bodyPr/>
           <a:lstStyle/>
@@ -4387,10 +4711,10 @@
       </p:sp>
       <p:pic>
         <p:nvPicPr>
-          <p:cNvPr id="7" name="Picture 6">
+          <p:cNvPr id="4" name="Picture 3">
             <a:extLst>
               <a:ext uri="{FF2B5EF4-FFF2-40B4-BE49-F238E27FC236}">
-                <a16:creationId xmlns:a16="http://schemas.microsoft.com/office/drawing/2014/main" id="{2D108BD5-E135-4104-9D33-3E943C0D6C4F}"/>
+                <a16:creationId xmlns:a16="http://schemas.microsoft.com/office/drawing/2014/main" id="{1DAA86DC-1C5B-4F2C-B64A-CA9753905B48}"/>
               </a:ext>
             </a:extLst>
           </p:cNvPr>
@@ -4400,30 +4724,25 @@
           <p:nvPr/>
         </p:nvPicPr>
         <p:blipFill>
-          <a:blip r:embed="rId3"/>
+          <a:blip r:embed="rId2"/>
           <a:stretch>
             <a:fillRect/>
           </a:stretch>
         </p:blipFill>
         <p:spPr>
           <a:xfrm>
-            <a:off x="1547664" y="2057966"/>
-            <a:ext cx="5276850" cy="1933575"/>
+            <a:off x="4211961" y="3766415"/>
+            <a:ext cx="648072" cy="718771"/>
           </a:xfrm>
           <a:prstGeom prst="rect">
             <a:avLst/>
           </a:prstGeom>
-          <a:ln>
-            <a:solidFill>
-              <a:srgbClr val="C00000"/>
-            </a:solidFill>
-          </a:ln>
         </p:spPr>
       </p:pic>
     </p:spTree>
     <p:extLst>
       <p:ext uri="{BB962C8B-B14F-4D97-AF65-F5344CB8AC3E}">
-        <p14:creationId xmlns:p14="http://schemas.microsoft.com/office/powerpoint/2010/main" val="248037697"/>
+        <p14:creationId xmlns:p14="http://schemas.microsoft.com/office/powerpoint/2010/main" val="1301523297"/>
       </p:ext>
     </p:extLst>
   </p:cSld>
@@ -4500,14 +4819,14 @@
           <a:p>
             <a:pPr algn="l"/>
             <a:r>
-              <a:rPr lang="en-US" altLang="zh-TW" b="1" dirty="0">
+              <a:rPr lang="en-US" altLang="zh-TW" sz="3600" b="1" dirty="0">
                 <a:solidFill>
                   <a:srgbClr val="FFFF00"/>
                 </a:solidFill>
               </a:rPr>
-              <a:t>4 Architecture</a:t>
-            </a:r>
-            <a:endParaRPr lang="zh-TW" altLang="en-US" b="1" dirty="0">
+              <a:t>4.1 GraphQL Server with Connected Database</a:t>
+            </a:r>
+            <a:endParaRPr lang="zh-TW" altLang="en-US" sz="3600" b="1" dirty="0">
               <a:solidFill>
                 <a:srgbClr val="FFFF00"/>
               </a:solidFill>
@@ -4527,8 +4846,8 @@
         </p:nvSpPr>
         <p:spPr>
           <a:xfrm>
-            <a:off x="467544" y="1340768"/>
-            <a:ext cx="8352928" cy="398616"/>
+            <a:off x="457200" y="1338001"/>
+            <a:ext cx="8352928" cy="2596281"/>
           </a:xfrm>
           <a:ln>
             <a:solidFill>
@@ -4551,26 +4870,16 @@
               <a:buChar char="u"/>
             </a:pPr>
             <a:r>
-              <a:rPr lang="en-US" altLang="zh-TW" sz="1800" b="1" dirty="0" err="1">
-                <a:solidFill>
-                  <a:schemeClr val="tx1"/>
-                </a:solidFill>
-                <a:latin typeface="+mj-lt"/>
-              </a:rPr>
-              <a:t>GraphQL</a:t>
-            </a:r>
-            <a:r>
               <a:rPr lang="en-US" altLang="zh-TW" sz="1800" b="1" dirty="0">
                 <a:solidFill>
                   <a:schemeClr val="tx1"/>
                 </a:solidFill>
-                <a:latin typeface="+mj-lt"/>
               </a:rPr>
-              <a:t> Server Integrating with Existing Database</a:t>
-            </a:r>
-          </a:p>
-          <a:p>
-            <a:pPr marL="800100" lvl="1" indent="-342900" algn="l">
+              <a:t>GraphQL Server with Connected Database</a:t>
+            </a:r>
+          </a:p>
+          <a:p>
+            <a:pPr marL="342900" indent="-342900" algn="l">
               <a:buClr>
                 <a:srgbClr val="0070C0"/>
               </a:buClr>
@@ -4578,11 +4887,76 @@
               <a:buFont typeface="Wingdings" pitchFamily="2" charset="2"/>
               <a:buChar char="u"/>
             </a:pPr>
+            <a:r>
+              <a:rPr lang="en-US" sz="1800" b="1" i="0" dirty="0">
+                <a:solidFill>
+                  <a:srgbClr val="000000"/>
+                </a:solidFill>
+                <a:effectLst/>
+              </a:rPr>
+              <a:t>This architecture has a GraphQL Server with an integrated database and can often be used with new projects. </a:t>
+            </a:r>
+          </a:p>
+          <a:p>
+            <a:pPr marL="342900" indent="-342900" algn="l">
+              <a:buClr>
+                <a:srgbClr val="0070C0"/>
+              </a:buClr>
+              <a:buSzPct val="80000"/>
+              <a:buFont typeface="Wingdings" pitchFamily="2" charset="2"/>
+              <a:buChar char="u"/>
+            </a:pPr>
+            <a:r>
+              <a:rPr lang="en-US" sz="1800" b="1" i="0" dirty="0">
+                <a:solidFill>
+                  <a:srgbClr val="000000"/>
+                </a:solidFill>
+                <a:effectLst/>
+              </a:rPr>
+              <a:t>On the receipt of a Query, the server reads the request payload and fetches data from the database. </a:t>
+            </a:r>
+          </a:p>
+          <a:p>
+            <a:pPr marL="342900" indent="-342900" algn="l">
+              <a:buClr>
+                <a:srgbClr val="0070C0"/>
+              </a:buClr>
+              <a:buSzPct val="80000"/>
+              <a:buFont typeface="Wingdings" pitchFamily="2" charset="2"/>
+              <a:buChar char="u"/>
+            </a:pPr>
+            <a:r>
+              <a:rPr lang="en-US" sz="1800" b="1" i="0" dirty="0">
+                <a:solidFill>
+                  <a:srgbClr val="000000"/>
+                </a:solidFill>
+                <a:effectLst/>
+              </a:rPr>
+              <a:t>This is called resolving the query. </a:t>
+            </a:r>
+          </a:p>
+          <a:p>
+            <a:pPr marL="342900" indent="-342900" algn="l">
+              <a:buClr>
+                <a:srgbClr val="0070C0"/>
+              </a:buClr>
+              <a:buSzPct val="80000"/>
+              <a:buFont typeface="Wingdings" pitchFamily="2" charset="2"/>
+              <a:buChar char="u"/>
+            </a:pPr>
+            <a:r>
+              <a:rPr lang="en-US" sz="1800" b="1" i="0" dirty="0">
+                <a:solidFill>
+                  <a:srgbClr val="000000"/>
+                </a:solidFill>
+                <a:effectLst/>
+              </a:rPr>
+              <a:t>The response returned to the client adheres to the format specified in the official GraphQL specification.</a:t>
+            </a:r>
             <a:endParaRPr lang="en-US" altLang="zh-TW" sz="1800" b="1" dirty="0">
               <a:solidFill>
                 <a:schemeClr val="tx1"/>
               </a:solidFill>
-              <a:latin typeface="+mj-lt"/>
             </a:endParaRPr>
           </a:p>
         </p:txBody>
@@ -4669,7 +5043,7 @@
             <a:fld id="{A4F910E6-8D00-4BAF-8C48-9688E0B449D3}" type="datetime1">
               <a:rPr lang="zh-TW" altLang="en-US" smtClean="0"/>
               <a:pPr/>
-              <a:t>2020/3/23</a:t>
+              <a:t>2020/10/6</a:t>
             </a:fld>
             <a:endParaRPr lang="zh-TW" altLang="en-US"/>
           </a:p>
@@ -4706,10 +5080,10 @@
       </p:sp>
       <p:pic>
         <p:nvPicPr>
-          <p:cNvPr id="8" name="Picture 7">
+          <p:cNvPr id="7" name="Picture 6">
             <a:extLst>
               <a:ext uri="{FF2B5EF4-FFF2-40B4-BE49-F238E27FC236}">
-                <a16:creationId xmlns:a16="http://schemas.microsoft.com/office/drawing/2014/main" id="{2DA22E58-E7AE-42E9-B6BD-D29ED1ACD558}"/>
+                <a16:creationId xmlns:a16="http://schemas.microsoft.com/office/drawing/2014/main" id="{2D108BD5-E135-4104-9D33-3E943C0D6C4F}"/>
               </a:ext>
             </a:extLst>
           </p:cNvPr>
@@ -4726,8 +5100,8 @@
         </p:blipFill>
         <p:spPr>
           <a:xfrm>
-            <a:off x="1685925" y="2019300"/>
-            <a:ext cx="5772150" cy="2819400"/>
+            <a:off x="1763688" y="4098264"/>
+            <a:ext cx="5276850" cy="1933575"/>
           </a:xfrm>
           <a:prstGeom prst="rect">
             <a:avLst/>
@@ -4742,7 +5116,7 @@
     </p:spTree>
     <p:extLst>
       <p:ext uri="{BB962C8B-B14F-4D97-AF65-F5344CB8AC3E}">
-        <p14:creationId xmlns:p14="http://schemas.microsoft.com/office/powerpoint/2010/main" val="2843981736"/>
+        <p14:creationId xmlns:p14="http://schemas.microsoft.com/office/powerpoint/2010/main" val="248037697"/>
       </p:ext>
     </p:extLst>
   </p:cSld>
@@ -4819,14 +5193,14 @@
           <a:p>
             <a:pPr algn="l"/>
             <a:r>
-              <a:rPr lang="en-US" altLang="zh-TW" b="1" dirty="0">
+              <a:rPr lang="en-US" altLang="zh-TW" sz="3600" b="1" dirty="0">
                 <a:solidFill>
                   <a:srgbClr val="FFFF00"/>
                 </a:solidFill>
               </a:rPr>
-              <a:t>4 Architecture</a:t>
-            </a:r>
-            <a:endParaRPr lang="zh-TW" altLang="en-US" b="1" dirty="0">
+              <a:t>4.1 GraphQL Server with Connected Database</a:t>
+            </a:r>
+            <a:endParaRPr lang="zh-TW" altLang="en-US" sz="3600" b="1" dirty="0">
               <a:solidFill>
                 <a:srgbClr val="FFFF00"/>
               </a:solidFill>
@@ -4846,8 +5220,8 @@
         </p:nvSpPr>
         <p:spPr>
           <a:xfrm>
-            <a:off x="467544" y="1340768"/>
-            <a:ext cx="8352928" cy="398616"/>
+            <a:off x="457200" y="1338001"/>
+            <a:ext cx="8352928" cy="1946983"/>
           </a:xfrm>
           <a:ln>
             <a:solidFill>
@@ -4874,13 +5248,12 @@
                 <a:solidFill>
                   <a:schemeClr val="tx1"/>
                 </a:solidFill>
-                <a:latin typeface="+mj-lt"/>
               </a:rPr>
-              <a:t>Hybrid Approach</a:t>
-            </a:r>
-          </a:p>
-          <a:p>
-            <a:pPr marL="800100" lvl="1" indent="-342900" algn="l">
+              <a:t>GraphQL Server with Connected Database</a:t>
+            </a:r>
+          </a:p>
+          <a:p>
+            <a:pPr marL="342900" indent="-342900" algn="l">
               <a:buClr>
                 <a:srgbClr val="0070C0"/>
               </a:buClr>
@@ -4888,11 +5261,57 @@
               <a:buFont typeface="Wingdings" pitchFamily="2" charset="2"/>
               <a:buChar char="u"/>
             </a:pPr>
+            <a:r>
+              <a:rPr lang="en-US" sz="1800" b="1" i="0" dirty="0">
+                <a:solidFill>
+                  <a:srgbClr val="000000"/>
+                </a:solidFill>
+                <a:effectLst/>
+              </a:rPr>
+              <a:t>In the below diagram, GraphQL server and the database are integrated on a single node.</a:t>
+            </a:r>
+          </a:p>
+          <a:p>
+            <a:pPr marL="342900" indent="-342900" algn="l">
+              <a:buClr>
+                <a:srgbClr val="0070C0"/>
+              </a:buClr>
+              <a:buSzPct val="80000"/>
+              <a:buFont typeface="Wingdings" pitchFamily="2" charset="2"/>
+              <a:buChar char="u"/>
+            </a:pPr>
+            <a:r>
+              <a:rPr lang="en-US" sz="1800" b="1" i="0" dirty="0">
+                <a:solidFill>
+                  <a:srgbClr val="000000"/>
+                </a:solidFill>
+                <a:effectLst/>
+              </a:rPr>
+              <a:t>The client (desktop/mobile) communicates with GraphQL server over HTTP. </a:t>
+            </a:r>
+          </a:p>
+          <a:p>
+            <a:pPr marL="342900" indent="-342900" algn="l">
+              <a:buClr>
+                <a:srgbClr val="0070C0"/>
+              </a:buClr>
+              <a:buSzPct val="80000"/>
+              <a:buFont typeface="Wingdings" pitchFamily="2" charset="2"/>
+              <a:buChar char="u"/>
+            </a:pPr>
+            <a:r>
+              <a:rPr lang="en-US" sz="1800" b="1" i="0" dirty="0">
+                <a:solidFill>
+                  <a:srgbClr val="000000"/>
+                </a:solidFill>
+                <a:effectLst/>
+              </a:rPr>
+              <a:t>The server processes the request, fetches data from the database and returns it to the client.</a:t>
+            </a:r>
             <a:endParaRPr lang="en-US" altLang="zh-TW" sz="1800" b="1" dirty="0">
               <a:solidFill>
                 <a:schemeClr val="tx1"/>
               </a:solidFill>
-              <a:latin typeface="+mj-lt"/>
             </a:endParaRPr>
           </a:p>
         </p:txBody>
@@ -4979,7 +5398,7 @@
             <a:fld id="{A4F910E6-8D00-4BAF-8C48-9688E0B449D3}" type="datetime1">
               <a:rPr lang="zh-TW" altLang="en-US" smtClean="0"/>
               <a:pPr/>
-              <a:t>2020/3/23</a:t>
+              <a:t>2020/10/6</a:t>
             </a:fld>
             <a:endParaRPr lang="zh-TW" altLang="en-US"/>
           </a:p>
@@ -5016,10 +5435,10 @@
       </p:sp>
       <p:pic>
         <p:nvPicPr>
-          <p:cNvPr id="7" name="Picture 6">
+          <p:cNvPr id="9" name="Picture 8">
             <a:extLst>
               <a:ext uri="{FF2B5EF4-FFF2-40B4-BE49-F238E27FC236}">
-                <a16:creationId xmlns:a16="http://schemas.microsoft.com/office/drawing/2014/main" id="{A6C2D4E1-722F-466E-9037-37CB826882FE}"/>
+                <a16:creationId xmlns:a16="http://schemas.microsoft.com/office/drawing/2014/main" id="{85516924-6DC6-4E01-9E01-062B2B5DCA1F}"/>
               </a:ext>
             </a:extLst>
           </p:cNvPr>
@@ -5036,8 +5455,8 @@
         </p:blipFill>
         <p:spPr>
           <a:xfrm>
-            <a:off x="1187624" y="1932470"/>
-            <a:ext cx="5810250" cy="2857500"/>
+            <a:off x="1763688" y="3493945"/>
+            <a:ext cx="5276850" cy="1933575"/>
           </a:xfrm>
           <a:prstGeom prst="rect">
             <a:avLst/>
@@ -5052,7 +5471,7 @@
     </p:spTree>
     <p:extLst>
       <p:ext uri="{BB962C8B-B14F-4D97-AF65-F5344CB8AC3E}">
-        <p14:creationId xmlns:p14="http://schemas.microsoft.com/office/powerpoint/2010/main" val="161825112"/>
+        <p14:creationId xmlns:p14="http://schemas.microsoft.com/office/powerpoint/2010/main" val="1154304552"/>
       </p:ext>
     </p:extLst>
   </p:cSld>
@@ -5094,6 +5513,360 @@
             <a:off x="0" y="2130425"/>
             <a:ext cx="9144000" cy="1470025"/>
           </a:xfrm>
+          <a:solidFill>
+            <a:srgbClr val="00B0F0"/>
+          </a:solidFill>
+        </p:spPr>
+        <p:txBody>
+          <a:bodyPr>
+            <a:normAutofit/>
+          </a:bodyPr>
+          <a:lstStyle/>
+          <a:p>
+            <a:r>
+              <a:rPr lang="en-US" altLang="zh-TW" sz="3600" b="1" dirty="0">
+                <a:solidFill>
+                  <a:srgbClr val="FFFF00"/>
+                </a:solidFill>
+              </a:rPr>
+              <a:t>4.2 GraphQL Server Integrating Existing System</a:t>
+            </a:r>
+            <a:endParaRPr lang="zh-TW" altLang="en-US" sz="3600" b="1" dirty="0">
+              <a:solidFill>
+                <a:srgbClr val="FFFF00"/>
+              </a:solidFill>
+            </a:endParaRPr>
+          </a:p>
+        </p:txBody>
+      </p:sp>
+      <p:sp>
+        <p:nvSpPr>
+          <p:cNvPr id="3" name="副標題 2"/>
+          <p:cNvSpPr>
+            <a:spLocks noGrp="1"/>
+          </p:cNvSpPr>
+          <p:nvPr>
+            <p:ph type="subTitle" idx="1"/>
+          </p:nvPr>
+        </p:nvSpPr>
+        <p:spPr>
+          <a:xfrm>
+            <a:off x="1259632" y="4581128"/>
+            <a:ext cx="6400800" cy="694928"/>
+          </a:xfrm>
+        </p:spPr>
+        <p:txBody>
+          <a:bodyPr>
+            <a:normAutofit/>
+          </a:bodyPr>
+          <a:lstStyle/>
+          <a:p>
+            <a:r>
+              <a:rPr lang="en-US" altLang="zh-TW" dirty="0"/>
+              <a:t>Peter H. Chen</a:t>
+            </a:r>
+            <a:endParaRPr lang="zh-TW" altLang="en-US" dirty="0"/>
+          </a:p>
+        </p:txBody>
+      </p:sp>
+      <p:sp>
+        <p:nvSpPr>
+          <p:cNvPr id="5" name="日期版面配置區 4"/>
+          <p:cNvSpPr>
+            <a:spLocks noGrp="1"/>
+          </p:cNvSpPr>
+          <p:nvPr>
+            <p:ph type="dt" sz="half" idx="10"/>
+          </p:nvPr>
+        </p:nvSpPr>
+        <p:spPr/>
+        <p:txBody>
+          <a:bodyPr/>
+          <a:lstStyle/>
+          <a:p>
+            <a:fld id="{C389EDC9-19E3-47AC-9C57-C6A24DEA81AD}" type="datetime1">
+              <a:rPr lang="zh-TW" altLang="en-US" smtClean="0"/>
+              <a:pPr/>
+              <a:t>2020/10/6</a:t>
+            </a:fld>
+            <a:endParaRPr lang="zh-TW" altLang="en-US"/>
+          </a:p>
+        </p:txBody>
+      </p:sp>
+      <p:sp>
+        <p:nvSpPr>
+          <p:cNvPr id="6" name="投影片編號版面配置區 5"/>
+          <p:cNvSpPr>
+            <a:spLocks noGrp="1"/>
+          </p:cNvSpPr>
+          <p:nvPr>
+            <p:ph type="sldNum" sz="quarter" idx="12"/>
+          </p:nvPr>
+        </p:nvSpPr>
+        <p:spPr/>
+        <p:txBody>
+          <a:bodyPr/>
+          <a:lstStyle/>
+          <a:p>
+            <a:fld id="{E4D7E63D-91F2-4366-A2C4-1B00C9E2590E}" type="slidenum">
+              <a:rPr lang="zh-TW" altLang="en-US" smtClean="0"/>
+              <a:pPr/>
+              <a:t>6</a:t>
+            </a:fld>
+            <a:endParaRPr lang="zh-TW" altLang="en-US"/>
+          </a:p>
+        </p:txBody>
+      </p:sp>
+      <p:pic>
+        <p:nvPicPr>
+          <p:cNvPr id="4" name="Picture 3">
+            <a:extLst>
+              <a:ext uri="{FF2B5EF4-FFF2-40B4-BE49-F238E27FC236}">
+                <a16:creationId xmlns:a16="http://schemas.microsoft.com/office/drawing/2014/main" id="{1DAA86DC-1C5B-4F2C-B64A-CA9753905B48}"/>
+              </a:ext>
+            </a:extLst>
+          </p:cNvPr>
+          <p:cNvPicPr>
+            <a:picLocks noChangeAspect="1"/>
+          </p:cNvPicPr>
+          <p:nvPr/>
+        </p:nvPicPr>
+        <p:blipFill>
+          <a:blip r:embed="rId2"/>
+          <a:stretch>
+            <a:fillRect/>
+          </a:stretch>
+        </p:blipFill>
+        <p:spPr>
+          <a:xfrm>
+            <a:off x="4211961" y="3766415"/>
+            <a:ext cx="648072" cy="718771"/>
+          </a:xfrm>
+          <a:prstGeom prst="rect">
+            <a:avLst/>
+          </a:prstGeom>
+        </p:spPr>
+      </p:pic>
+    </p:spTree>
+    <p:extLst>
+      <p:ext uri="{BB962C8B-B14F-4D97-AF65-F5344CB8AC3E}">
+        <p14:creationId xmlns:p14="http://schemas.microsoft.com/office/powerpoint/2010/main" val="187736852"/>
+      </p:ext>
+    </p:extLst>
+  </p:cSld>
+  <p:clrMapOvr>
+    <a:masterClrMapping/>
+  </p:clrMapOvr>
+</p:sld>
+</file>
+
+<file path=ppt/slides/slide7.xml><?xml version="1.0" encoding="utf-8"?>
+<p:sld xmlns:a="http://schemas.openxmlformats.org/drawingml/2006/main" xmlns:r="http://schemas.openxmlformats.org/officeDocument/2006/relationships" xmlns:p="http://schemas.openxmlformats.org/presentationml/2006/main">
+  <p:cSld>
+    <p:spTree>
+      <p:nvGrpSpPr>
+        <p:cNvPr id="1" name=""/>
+        <p:cNvGrpSpPr/>
+        <p:nvPr/>
+      </p:nvGrpSpPr>
+      <p:grpSpPr>
+        <a:xfrm>
+          <a:off x="0" y="0"/>
+          <a:ext cx="0" cy="0"/>
+          <a:chOff x="0" y="0"/>
+          <a:chExt cx="0" cy="0"/>
+        </a:xfrm>
+      </p:grpSpPr>
+      <p:sp>
+        <p:nvSpPr>
+          <p:cNvPr id="2" name="標題 1"/>
+          <p:cNvSpPr>
+            <a:spLocks noGrp="1"/>
+          </p:cNvSpPr>
+          <p:nvPr>
+            <p:ph type="ctrTitle"/>
+          </p:nvPr>
+        </p:nvSpPr>
+        <p:spPr>
+          <a:xfrm>
+            <a:off x="0" y="1"/>
+            <a:ext cx="9144000" cy="764704"/>
+          </a:xfrm>
+          <a:gradFill flip="none" rotWithShape="1">
+            <a:gsLst>
+              <a:gs pos="0">
+                <a:srgbClr val="C00000">
+                  <a:shade val="30000"/>
+                  <a:satMod val="115000"/>
+                </a:srgbClr>
+              </a:gs>
+              <a:gs pos="50000">
+                <a:srgbClr val="C00000">
+                  <a:shade val="67500"/>
+                  <a:satMod val="115000"/>
+                </a:srgbClr>
+              </a:gs>
+              <a:gs pos="100000">
+                <a:srgbClr val="C00000">
+                  <a:shade val="100000"/>
+                  <a:satMod val="115000"/>
+                </a:srgbClr>
+              </a:gs>
+            </a:gsLst>
+            <a:path path="circle">
+              <a:fillToRect t="100000" r="100000"/>
+            </a:path>
+            <a:tileRect l="-100000" b="-100000"/>
+          </a:gradFill>
+        </p:spPr>
+        <p:txBody>
+          <a:bodyPr>
+            <a:normAutofit/>
+          </a:bodyPr>
+          <a:lstStyle/>
+          <a:p>
+            <a:pPr algn="l"/>
+            <a:r>
+              <a:rPr lang="en-US" altLang="zh-TW" sz="3600" b="1" dirty="0">
+                <a:solidFill>
+                  <a:srgbClr val="FFFF00"/>
+                </a:solidFill>
+              </a:rPr>
+              <a:t>4.2 GraphQL Server Integrating Existing System</a:t>
+            </a:r>
+            <a:endParaRPr lang="zh-TW" altLang="en-US" sz="3600" b="1" dirty="0">
+              <a:solidFill>
+                <a:srgbClr val="FFFF00"/>
+              </a:solidFill>
+            </a:endParaRPr>
+          </a:p>
+        </p:txBody>
+      </p:sp>
+      <p:sp>
+        <p:nvSpPr>
+          <p:cNvPr id="3" name="副標題 2"/>
+          <p:cNvSpPr>
+            <a:spLocks noGrp="1"/>
+          </p:cNvSpPr>
+          <p:nvPr>
+            <p:ph type="subTitle" idx="1"/>
+          </p:nvPr>
+        </p:nvSpPr>
+        <p:spPr>
+          <a:xfrm>
+            <a:off x="467544" y="1340767"/>
+            <a:ext cx="8352928" cy="1620119"/>
+          </a:xfrm>
+          <a:ln>
+            <a:solidFill>
+              <a:srgbClr val="C00000"/>
+            </a:solidFill>
+          </a:ln>
+        </p:spPr>
+        <p:txBody>
+          <a:bodyPr>
+            <a:noAutofit/>
+          </a:bodyPr>
+          <a:lstStyle/>
+          <a:p>
+            <a:pPr marL="342900" indent="-342900" algn="l">
+              <a:buClr>
+                <a:srgbClr val="0070C0"/>
+              </a:buClr>
+              <a:buSzPct val="80000"/>
+              <a:buFont typeface="Wingdings" pitchFamily="2" charset="2"/>
+              <a:buChar char="u"/>
+            </a:pPr>
+            <a:r>
+              <a:rPr lang="en-US" altLang="zh-TW" sz="1800" b="1" dirty="0">
+                <a:solidFill>
+                  <a:schemeClr val="tx1"/>
+                </a:solidFill>
+                <a:latin typeface="+mj-lt"/>
+              </a:rPr>
+              <a:t>GraphQL Server Integrating with Existing System</a:t>
+            </a:r>
+          </a:p>
+          <a:p>
+            <a:pPr marL="342900" indent="-342900" algn="l">
+              <a:buClr>
+                <a:srgbClr val="0070C0"/>
+              </a:buClr>
+              <a:buSzPct val="80000"/>
+              <a:buFont typeface="Wingdings" pitchFamily="2" charset="2"/>
+              <a:buChar char="u"/>
+            </a:pPr>
+            <a:r>
+              <a:rPr lang="en-US" sz="1800" b="1" i="0" dirty="0">
+                <a:solidFill>
+                  <a:srgbClr val="000000"/>
+                </a:solidFill>
+                <a:effectLst/>
+                <a:latin typeface="+mj-lt"/>
+              </a:rPr>
+              <a:t>This approach is helpful for companies which have legacy infrastructure and different APIs. </a:t>
+            </a:r>
+          </a:p>
+          <a:p>
+            <a:pPr marL="342900" indent="-342900" algn="l">
+              <a:buClr>
+                <a:srgbClr val="0070C0"/>
+              </a:buClr>
+              <a:buSzPct val="80000"/>
+              <a:buFont typeface="Wingdings" pitchFamily="2" charset="2"/>
+              <a:buChar char="u"/>
+            </a:pPr>
+            <a:r>
+              <a:rPr lang="en-US" sz="1800" b="1" i="0" dirty="0">
+                <a:solidFill>
+                  <a:srgbClr val="000000"/>
+                </a:solidFill>
+                <a:effectLst/>
+                <a:latin typeface="+mj-lt"/>
+              </a:rPr>
+              <a:t>GraphQL can be used to unify microservices, legacy infrastructure and third-party APIs in the existing system.</a:t>
+            </a:r>
+            <a:endParaRPr lang="en-US" altLang="zh-TW" sz="1800" b="1" dirty="0">
+              <a:solidFill>
+                <a:schemeClr val="tx1"/>
+              </a:solidFill>
+              <a:latin typeface="+mj-lt"/>
+            </a:endParaRPr>
+          </a:p>
+          <a:p>
+            <a:pPr marL="800100" lvl="1" indent="-342900" algn="l">
+              <a:buClr>
+                <a:srgbClr val="0070C0"/>
+              </a:buClr>
+              <a:buSzPct val="80000"/>
+              <a:buFont typeface="Wingdings" pitchFamily="2" charset="2"/>
+              <a:buChar char="u"/>
+            </a:pPr>
+            <a:endParaRPr lang="en-US" altLang="zh-TW" sz="1800" b="1" dirty="0">
+              <a:solidFill>
+                <a:schemeClr val="tx1"/>
+              </a:solidFill>
+              <a:latin typeface="+mj-lt"/>
+            </a:endParaRPr>
+          </a:p>
+        </p:txBody>
+      </p:sp>
+      <p:sp>
+        <p:nvSpPr>
+          <p:cNvPr id="4" name="標題 1"/>
+          <p:cNvSpPr txBox="1">
+            <a:spLocks/>
+          </p:cNvSpPr>
+          <p:nvPr/>
+        </p:nvSpPr>
+        <p:spPr>
+          <a:xfrm>
+            <a:off x="0" y="764704"/>
+            <a:ext cx="9144000" cy="398616"/>
+          </a:xfrm>
+          <a:prstGeom prst="rect">
+            <a:avLst/>
+          </a:prstGeom>
           <a:gradFill flip="none" rotWithShape="1">
             <a:gsLst>
               <a:gs pos="0">
@@ -5122,20 +5895,202 @@
           </a:gradFill>
         </p:spPr>
         <p:txBody>
+          <a:bodyPr vert="horz" lIns="91440" tIns="45720" rIns="91440" bIns="45720" rtlCol="0" anchor="ctr">
+            <a:normAutofit/>
+          </a:bodyPr>
+          <a:lstStyle/>
+          <a:p>
+            <a:r>
+              <a:rPr lang="en-US" sz="1600" dirty="0">
+                <a:hlinkClick r:id="rId2"/>
+              </a:rPr>
+              <a:t>https://www.tutorialspoint.com/graphql/graphql_environment_setup.htm</a:t>
+            </a:r>
+            <a:endParaRPr lang="en-US" altLang="zh-TW" sz="1600" b="1" i="1" dirty="0"/>
+          </a:p>
+        </p:txBody>
+      </p:sp>
+      <p:sp>
+        <p:nvSpPr>
+          <p:cNvPr id="5" name="日期版面配置區 4"/>
+          <p:cNvSpPr>
+            <a:spLocks noGrp="1"/>
+          </p:cNvSpPr>
+          <p:nvPr>
+            <p:ph type="dt" sz="half" idx="10"/>
+          </p:nvPr>
+        </p:nvSpPr>
+        <p:spPr>
+          <a:xfrm>
+            <a:off x="457200" y="6356350"/>
+            <a:ext cx="2133600" cy="404246"/>
+          </a:xfrm>
+        </p:spPr>
+        <p:txBody>
+          <a:bodyPr/>
+          <a:lstStyle/>
+          <a:p>
+            <a:fld id="{A4F910E6-8D00-4BAF-8C48-9688E0B449D3}" type="datetime1">
+              <a:rPr lang="zh-TW" altLang="en-US" smtClean="0"/>
+              <a:pPr/>
+              <a:t>2020/10/6</a:t>
+            </a:fld>
+            <a:endParaRPr lang="zh-TW" altLang="en-US"/>
+          </a:p>
+        </p:txBody>
+      </p:sp>
+      <p:sp>
+        <p:nvSpPr>
+          <p:cNvPr id="6" name="投影片編號版面配置區 5"/>
+          <p:cNvSpPr>
+            <a:spLocks noGrp="1"/>
+          </p:cNvSpPr>
+          <p:nvPr>
+            <p:ph type="sldNum" sz="quarter" idx="12"/>
+          </p:nvPr>
+        </p:nvSpPr>
+        <p:spPr>
+          <a:xfrm>
+            <a:off x="6553200" y="6356350"/>
+            <a:ext cx="2133600" cy="404246"/>
+          </a:xfrm>
+        </p:spPr>
+        <p:txBody>
+          <a:bodyPr/>
+          <a:lstStyle/>
+          <a:p>
+            <a:fld id="{E4D7E63D-91F2-4366-A2C4-1B00C9E2590E}" type="slidenum">
+              <a:rPr lang="zh-TW" altLang="en-US" smtClean="0"/>
+              <a:pPr/>
+              <a:t>7</a:t>
+            </a:fld>
+            <a:endParaRPr lang="zh-TW" altLang="en-US"/>
+          </a:p>
+        </p:txBody>
+      </p:sp>
+      <p:pic>
+        <p:nvPicPr>
+          <p:cNvPr id="8" name="Picture 7">
+            <a:extLst>
+              <a:ext uri="{FF2B5EF4-FFF2-40B4-BE49-F238E27FC236}">
+                <a16:creationId xmlns:a16="http://schemas.microsoft.com/office/drawing/2014/main" id="{2DA22E58-E7AE-42E9-B6BD-D29ED1ACD558}"/>
+              </a:ext>
+            </a:extLst>
+          </p:cNvPr>
+          <p:cNvPicPr>
+            <a:picLocks noChangeAspect="1"/>
+          </p:cNvPicPr>
+          <p:nvPr/>
+        </p:nvPicPr>
+        <p:blipFill>
+          <a:blip r:embed="rId3"/>
+          <a:stretch>
+            <a:fillRect/>
+          </a:stretch>
+        </p:blipFill>
+        <p:spPr>
+          <a:xfrm>
+            <a:off x="1541453" y="2960886"/>
+            <a:ext cx="5772150" cy="2819400"/>
+          </a:xfrm>
+          <a:prstGeom prst="rect">
+            <a:avLst/>
+          </a:prstGeom>
+          <a:ln>
+            <a:solidFill>
+              <a:srgbClr val="C00000"/>
+            </a:solidFill>
+          </a:ln>
+        </p:spPr>
+      </p:pic>
+    </p:spTree>
+    <p:extLst>
+      <p:ext uri="{BB962C8B-B14F-4D97-AF65-F5344CB8AC3E}">
+        <p14:creationId xmlns:p14="http://schemas.microsoft.com/office/powerpoint/2010/main" val="2843981736"/>
+      </p:ext>
+    </p:extLst>
+  </p:cSld>
+  <p:clrMapOvr>
+    <a:masterClrMapping/>
+  </p:clrMapOvr>
+</p:sld>
+</file>
+
+<file path=ppt/slides/slide8.xml><?xml version="1.0" encoding="utf-8"?>
+<p:sld xmlns:a="http://schemas.openxmlformats.org/drawingml/2006/main" xmlns:r="http://schemas.openxmlformats.org/officeDocument/2006/relationships" xmlns:p="http://schemas.openxmlformats.org/presentationml/2006/main">
+  <p:cSld>
+    <p:spTree>
+      <p:nvGrpSpPr>
+        <p:cNvPr id="1" name=""/>
+        <p:cNvGrpSpPr/>
+        <p:nvPr/>
+      </p:nvGrpSpPr>
+      <p:grpSpPr>
+        <a:xfrm>
+          <a:off x="0" y="0"/>
+          <a:ext cx="0" cy="0"/>
+          <a:chOff x="0" y="0"/>
+          <a:chExt cx="0" cy="0"/>
+        </a:xfrm>
+      </p:grpSpPr>
+      <p:sp>
+        <p:nvSpPr>
+          <p:cNvPr id="2" name="標題 1"/>
+          <p:cNvSpPr>
+            <a:spLocks noGrp="1"/>
+          </p:cNvSpPr>
+          <p:nvPr>
+            <p:ph type="ctrTitle"/>
+          </p:nvPr>
+        </p:nvSpPr>
+        <p:spPr>
+          <a:xfrm>
+            <a:off x="0" y="1"/>
+            <a:ext cx="9144000" cy="764704"/>
+          </a:xfrm>
+          <a:gradFill flip="none" rotWithShape="1">
+            <a:gsLst>
+              <a:gs pos="0">
+                <a:srgbClr val="C00000">
+                  <a:shade val="30000"/>
+                  <a:satMod val="115000"/>
+                </a:srgbClr>
+              </a:gs>
+              <a:gs pos="50000">
+                <a:srgbClr val="C00000">
+                  <a:shade val="67500"/>
+                  <a:satMod val="115000"/>
+                </a:srgbClr>
+              </a:gs>
+              <a:gs pos="100000">
+                <a:srgbClr val="C00000">
+                  <a:shade val="100000"/>
+                  <a:satMod val="115000"/>
+                </a:srgbClr>
+              </a:gs>
+            </a:gsLst>
+            <a:path path="circle">
+              <a:fillToRect t="100000" r="100000"/>
+            </a:path>
+            <a:tileRect l="-100000" b="-100000"/>
+          </a:gradFill>
+        </p:spPr>
+        <p:txBody>
           <a:bodyPr>
             <a:normAutofit/>
           </a:bodyPr>
           <a:lstStyle/>
           <a:p>
-            <a:r>
-              <a:rPr lang="en-US" altLang="zh-TW" sz="6000" b="1" dirty="0">
+            <a:pPr algn="l"/>
+            <a:r>
+              <a:rPr lang="en-US" altLang="zh-TW" sz="3600" b="1" dirty="0">
                 <a:solidFill>
                   <a:srgbClr val="FFFF00"/>
                 </a:solidFill>
               </a:rPr>
-              <a:t>End of Chapter</a:t>
-            </a:r>
-            <a:endParaRPr lang="zh-TW" altLang="en-US" sz="6000" b="1" dirty="0">
+              <a:t>4.2 GraphQL Server Integrating Existing System</a:t>
+            </a:r>
+            <a:endParaRPr lang="zh-TW" altLang="en-US" sz="3600" b="1" dirty="0">
               <a:solidFill>
                 <a:srgbClr val="FFFF00"/>
               </a:solidFill>
@@ -5145,6 +6100,154 @@
       </p:sp>
       <p:sp>
         <p:nvSpPr>
+          <p:cNvPr id="3" name="副標題 2"/>
+          <p:cNvSpPr>
+            <a:spLocks noGrp="1"/>
+          </p:cNvSpPr>
+          <p:nvPr>
+            <p:ph type="subTitle" idx="1"/>
+          </p:nvPr>
+        </p:nvSpPr>
+        <p:spPr>
+          <a:xfrm>
+            <a:off x="467544" y="1340767"/>
+            <a:ext cx="8352928" cy="1620119"/>
+          </a:xfrm>
+          <a:ln>
+            <a:solidFill>
+              <a:srgbClr val="C00000"/>
+            </a:solidFill>
+          </a:ln>
+        </p:spPr>
+        <p:txBody>
+          <a:bodyPr>
+            <a:noAutofit/>
+          </a:bodyPr>
+          <a:lstStyle/>
+          <a:p>
+            <a:pPr marL="342900" indent="-342900" algn="l">
+              <a:buClr>
+                <a:srgbClr val="0070C0"/>
+              </a:buClr>
+              <a:buSzPct val="80000"/>
+              <a:buFont typeface="Wingdings" pitchFamily="2" charset="2"/>
+              <a:buChar char="u"/>
+            </a:pPr>
+            <a:r>
+              <a:rPr lang="en-US" altLang="zh-TW" sz="1800" b="1" dirty="0">
+                <a:solidFill>
+                  <a:schemeClr val="tx1"/>
+                </a:solidFill>
+              </a:rPr>
+              <a:t>GraphQL Server Integrating with Existing System</a:t>
+            </a:r>
+          </a:p>
+          <a:p>
+            <a:pPr marL="342900" indent="-342900" algn="l">
+              <a:buClr>
+                <a:srgbClr val="0070C0"/>
+              </a:buClr>
+              <a:buSzPct val="80000"/>
+              <a:buFont typeface="Wingdings" pitchFamily="2" charset="2"/>
+              <a:buChar char="u"/>
+            </a:pPr>
+            <a:r>
+              <a:rPr lang="en-US" sz="1800" b="1" i="0" dirty="0">
+                <a:solidFill>
+                  <a:srgbClr val="000000"/>
+                </a:solidFill>
+                <a:effectLst/>
+              </a:rPr>
+              <a:t>In the below diagram, a GraphQL API acts as an interface between the client and the existing systems.</a:t>
+            </a:r>
+          </a:p>
+          <a:p>
+            <a:pPr marL="342900" indent="-342900" algn="l">
+              <a:buClr>
+                <a:srgbClr val="0070C0"/>
+              </a:buClr>
+              <a:buSzPct val="80000"/>
+              <a:buFont typeface="Wingdings" pitchFamily="2" charset="2"/>
+              <a:buChar char="u"/>
+            </a:pPr>
+            <a:r>
+              <a:rPr lang="en-US" sz="1800" b="1" i="0" dirty="0">
+                <a:solidFill>
+                  <a:srgbClr val="000000"/>
+                </a:solidFill>
+                <a:effectLst/>
+              </a:rPr>
+              <a:t>Client applications communicate with the GraphQL server which in turn resolves the query.</a:t>
+            </a:r>
+            <a:endParaRPr lang="en-US" altLang="zh-TW" sz="1800" b="1" dirty="0">
+              <a:solidFill>
+                <a:schemeClr val="tx1"/>
+              </a:solidFill>
+            </a:endParaRPr>
+          </a:p>
+        </p:txBody>
+      </p:sp>
+      <p:sp>
+        <p:nvSpPr>
+          <p:cNvPr id="4" name="標題 1"/>
+          <p:cNvSpPr txBox="1">
+            <a:spLocks/>
+          </p:cNvSpPr>
+          <p:nvPr/>
+        </p:nvSpPr>
+        <p:spPr>
+          <a:xfrm>
+            <a:off x="0" y="764704"/>
+            <a:ext cx="9144000" cy="398616"/>
+          </a:xfrm>
+          <a:prstGeom prst="rect">
+            <a:avLst/>
+          </a:prstGeom>
+          <a:gradFill flip="none" rotWithShape="1">
+            <a:gsLst>
+              <a:gs pos="0">
+                <a:srgbClr val="00B0F0">
+                  <a:shade val="30000"/>
+                  <a:satMod val="115000"/>
+                </a:srgbClr>
+              </a:gs>
+              <a:gs pos="50000">
+                <a:srgbClr val="00B0F0">
+                  <a:shade val="67500"/>
+                  <a:satMod val="115000"/>
+                </a:srgbClr>
+              </a:gs>
+              <a:gs pos="100000">
+                <a:srgbClr val="00B0F0">
+                  <a:shade val="100000"/>
+                  <a:satMod val="115000"/>
+                </a:srgbClr>
+              </a:gs>
+            </a:gsLst>
+            <a:path path="circle">
+              <a:fillToRect t="100000" r="100000"/>
+            </a:path>
+            <a:tileRect l="-100000" b="-100000"/>
+          </a:gradFill>
+        </p:spPr>
+        <p:txBody>
+          <a:bodyPr vert="horz" lIns="91440" tIns="45720" rIns="91440" bIns="45720" rtlCol="0" anchor="ctr">
+            <a:normAutofit/>
+          </a:bodyPr>
+          <a:lstStyle/>
+          <a:p>
+            <a:r>
+              <a:rPr lang="en-US" sz="1600" dirty="0">
+                <a:hlinkClick r:id="rId2"/>
+              </a:rPr>
+              <a:t>https://www.tutorialspoint.com/graphql/graphql_environment_setup.htm</a:t>
+            </a:r>
+            <a:endParaRPr lang="en-US" altLang="zh-TW" sz="1600" b="1" i="1" dirty="0"/>
+          </a:p>
+        </p:txBody>
+      </p:sp>
+      <p:sp>
+        <p:nvSpPr>
           <p:cNvPr id="5" name="日期版面配置區 4"/>
           <p:cNvSpPr>
             <a:spLocks noGrp="1"/>
@@ -5153,15 +6256,20 @@
             <p:ph type="dt" sz="half" idx="10"/>
           </p:nvPr>
         </p:nvSpPr>
-        <p:spPr/>
+        <p:spPr>
+          <a:xfrm>
+            <a:off x="457200" y="6356350"/>
+            <a:ext cx="2133600" cy="404246"/>
+          </a:xfrm>
+        </p:spPr>
         <p:txBody>
           <a:bodyPr/>
           <a:lstStyle/>
           <a:p>
-            <a:fld id="{4E46BE27-E923-4EC2-B046-3272AE2A3E5C}" type="datetime1">
+            <a:fld id="{A4F910E6-8D00-4BAF-8C48-9688E0B449D3}" type="datetime1">
               <a:rPr lang="zh-TW" altLang="en-US" smtClean="0"/>
               <a:pPr/>
-              <a:t>2020/3/23</a:t>
+              <a:t>2020/10/6</a:t>
             </a:fld>
             <a:endParaRPr lang="zh-TW" altLang="en-US"/>
           </a:p>
@@ -5177,7 +6285,12 @@
             <p:ph type="sldNum" sz="quarter" idx="12"/>
           </p:nvPr>
         </p:nvSpPr>
-        <p:spPr/>
+        <p:spPr>
+          <a:xfrm>
+            <a:off x="6553200" y="6356350"/>
+            <a:ext cx="2133600" cy="404246"/>
+          </a:xfrm>
+        </p:spPr>
         <p:txBody>
           <a:bodyPr/>
           <a:lstStyle/>
@@ -5185,13 +6298,232 @@
             <a:fld id="{E4D7E63D-91F2-4366-A2C4-1B00C9E2590E}" type="slidenum">
               <a:rPr lang="zh-TW" altLang="en-US" smtClean="0"/>
               <a:pPr/>
-              <a:t>6</a:t>
+              <a:t>8</a:t>
             </a:fld>
             <a:endParaRPr lang="zh-TW" altLang="en-US"/>
           </a:p>
         </p:txBody>
       </p:sp>
+      <p:pic>
+        <p:nvPicPr>
+          <p:cNvPr id="8" name="Picture 7">
+            <a:extLst>
+              <a:ext uri="{FF2B5EF4-FFF2-40B4-BE49-F238E27FC236}">
+                <a16:creationId xmlns:a16="http://schemas.microsoft.com/office/drawing/2014/main" id="{2DA22E58-E7AE-42E9-B6BD-D29ED1ACD558}"/>
+              </a:ext>
+            </a:extLst>
+          </p:cNvPr>
+          <p:cNvPicPr>
+            <a:picLocks noChangeAspect="1"/>
+          </p:cNvPicPr>
+          <p:nvPr/>
+        </p:nvPicPr>
+        <p:blipFill>
+          <a:blip r:embed="rId3"/>
+          <a:stretch>
+            <a:fillRect/>
+          </a:stretch>
+        </p:blipFill>
+        <p:spPr>
+          <a:xfrm>
+            <a:off x="1524000" y="3138335"/>
+            <a:ext cx="5772150" cy="2819400"/>
+          </a:xfrm>
+          <a:prstGeom prst="rect">
+            <a:avLst/>
+          </a:prstGeom>
+          <a:ln>
+            <a:solidFill>
+              <a:srgbClr val="C00000"/>
+            </a:solidFill>
+          </a:ln>
+        </p:spPr>
+      </p:pic>
     </p:spTree>
+    <p:extLst>
+      <p:ext uri="{BB962C8B-B14F-4D97-AF65-F5344CB8AC3E}">
+        <p14:creationId xmlns:p14="http://schemas.microsoft.com/office/powerpoint/2010/main" val="2715740828"/>
+      </p:ext>
+    </p:extLst>
+  </p:cSld>
+  <p:clrMapOvr>
+    <a:masterClrMapping/>
+  </p:clrMapOvr>
+</p:sld>
+</file>
+
+<file path=ppt/slides/slide9.xml><?xml version="1.0" encoding="utf-8"?>
+<p:sld xmlns:a="http://schemas.openxmlformats.org/drawingml/2006/main" xmlns:r="http://schemas.openxmlformats.org/officeDocument/2006/relationships" xmlns:p="http://schemas.openxmlformats.org/presentationml/2006/main">
+  <p:cSld>
+    <p:spTree>
+      <p:nvGrpSpPr>
+        <p:cNvPr id="1" name=""/>
+        <p:cNvGrpSpPr/>
+        <p:nvPr/>
+      </p:nvGrpSpPr>
+      <p:grpSpPr>
+        <a:xfrm>
+          <a:off x="0" y="0"/>
+          <a:ext cx="0" cy="0"/>
+          <a:chOff x="0" y="0"/>
+          <a:chExt cx="0" cy="0"/>
+        </a:xfrm>
+      </p:grpSpPr>
+      <p:sp>
+        <p:nvSpPr>
+          <p:cNvPr id="2" name="標題 1"/>
+          <p:cNvSpPr>
+            <a:spLocks noGrp="1"/>
+          </p:cNvSpPr>
+          <p:nvPr>
+            <p:ph type="ctrTitle"/>
+          </p:nvPr>
+        </p:nvSpPr>
+        <p:spPr>
+          <a:xfrm>
+            <a:off x="0" y="2130425"/>
+            <a:ext cx="9144000" cy="1470025"/>
+          </a:xfrm>
+          <a:solidFill>
+            <a:srgbClr val="00B0F0"/>
+          </a:solidFill>
+        </p:spPr>
+        <p:txBody>
+          <a:bodyPr>
+            <a:normAutofit/>
+          </a:bodyPr>
+          <a:lstStyle/>
+          <a:p>
+            <a:r>
+              <a:rPr lang="en-US" altLang="zh-TW" sz="3600" b="1" dirty="0">
+                <a:solidFill>
+                  <a:srgbClr val="FFFF00"/>
+                </a:solidFill>
+              </a:rPr>
+              <a:t>4.3 Hybrid Approach</a:t>
+            </a:r>
+            <a:endParaRPr lang="zh-TW" altLang="en-US" sz="3600" b="1" dirty="0">
+              <a:solidFill>
+                <a:srgbClr val="FFFF00"/>
+              </a:solidFill>
+            </a:endParaRPr>
+          </a:p>
+        </p:txBody>
+      </p:sp>
+      <p:sp>
+        <p:nvSpPr>
+          <p:cNvPr id="3" name="副標題 2"/>
+          <p:cNvSpPr>
+            <a:spLocks noGrp="1"/>
+          </p:cNvSpPr>
+          <p:nvPr>
+            <p:ph type="subTitle" idx="1"/>
+          </p:nvPr>
+        </p:nvSpPr>
+        <p:spPr>
+          <a:xfrm>
+            <a:off x="1259632" y="4581128"/>
+            <a:ext cx="6400800" cy="694928"/>
+          </a:xfrm>
+        </p:spPr>
+        <p:txBody>
+          <a:bodyPr>
+            <a:normAutofit/>
+          </a:bodyPr>
+          <a:lstStyle/>
+          <a:p>
+            <a:r>
+              <a:rPr lang="en-US" altLang="zh-TW" dirty="0"/>
+              <a:t>Peter H. Chen</a:t>
+            </a:r>
+            <a:endParaRPr lang="zh-TW" altLang="en-US" dirty="0"/>
+          </a:p>
+        </p:txBody>
+      </p:sp>
+      <p:sp>
+        <p:nvSpPr>
+          <p:cNvPr id="5" name="日期版面配置區 4"/>
+          <p:cNvSpPr>
+            <a:spLocks noGrp="1"/>
+          </p:cNvSpPr>
+          <p:nvPr>
+            <p:ph type="dt" sz="half" idx="10"/>
+          </p:nvPr>
+        </p:nvSpPr>
+        <p:spPr/>
+        <p:txBody>
+          <a:bodyPr/>
+          <a:lstStyle/>
+          <a:p>
+            <a:fld id="{C389EDC9-19E3-47AC-9C57-C6A24DEA81AD}" type="datetime1">
+              <a:rPr lang="zh-TW" altLang="en-US" smtClean="0"/>
+              <a:pPr/>
+              <a:t>2020/10/6</a:t>
+            </a:fld>
+            <a:endParaRPr lang="zh-TW" altLang="en-US"/>
+          </a:p>
+        </p:txBody>
+      </p:sp>
+      <p:sp>
+        <p:nvSpPr>
+          <p:cNvPr id="6" name="投影片編號版面配置區 5"/>
+          <p:cNvSpPr>
+            <a:spLocks noGrp="1"/>
+          </p:cNvSpPr>
+          <p:nvPr>
+            <p:ph type="sldNum" sz="quarter" idx="12"/>
+          </p:nvPr>
+        </p:nvSpPr>
+        <p:spPr/>
+        <p:txBody>
+          <a:bodyPr/>
+          <a:lstStyle/>
+          <a:p>
+            <a:fld id="{E4D7E63D-91F2-4366-A2C4-1B00C9E2590E}" type="slidenum">
+              <a:rPr lang="zh-TW" altLang="en-US" smtClean="0"/>
+              <a:pPr/>
+              <a:t>9</a:t>
+            </a:fld>
+            <a:endParaRPr lang="zh-TW" altLang="en-US"/>
+          </a:p>
+        </p:txBody>
+      </p:sp>
+      <p:pic>
+        <p:nvPicPr>
+          <p:cNvPr id="4" name="Picture 3">
+            <a:extLst>
+              <a:ext uri="{FF2B5EF4-FFF2-40B4-BE49-F238E27FC236}">
+                <a16:creationId xmlns:a16="http://schemas.microsoft.com/office/drawing/2014/main" id="{1DAA86DC-1C5B-4F2C-B64A-CA9753905B48}"/>
+              </a:ext>
+            </a:extLst>
+          </p:cNvPr>
+          <p:cNvPicPr>
+            <a:picLocks noChangeAspect="1"/>
+          </p:cNvPicPr>
+          <p:nvPr/>
+        </p:nvPicPr>
+        <p:blipFill>
+          <a:blip r:embed="rId2"/>
+          <a:stretch>
+            <a:fillRect/>
+          </a:stretch>
+        </p:blipFill>
+        <p:spPr>
+          <a:xfrm>
+            <a:off x="4211961" y="3766415"/>
+            <a:ext cx="648072" cy="718771"/>
+          </a:xfrm>
+          <a:prstGeom prst="rect">
+            <a:avLst/>
+          </a:prstGeom>
+        </p:spPr>
+      </p:pic>
+    </p:spTree>
+    <p:extLst>
+      <p:ext uri="{BB962C8B-B14F-4D97-AF65-F5344CB8AC3E}">
+        <p14:creationId xmlns:p14="http://schemas.microsoft.com/office/powerpoint/2010/main" val="2585787448"/>
+      </p:ext>
+    </p:extLst>
   </p:cSld>
   <p:clrMapOvr>
     <a:masterClrMapping/>

--- a/04_Architecture.pptx
+++ b/04_Architecture.pptx
@@ -4633,36 +4633,6 @@
       </p:sp>
       <p:sp>
         <p:nvSpPr>
-          <p:cNvPr id="3" name="副標題 2"/>
-          <p:cNvSpPr>
-            <a:spLocks noGrp="1"/>
-          </p:cNvSpPr>
-          <p:nvPr>
-            <p:ph type="subTitle" idx="1"/>
-          </p:nvPr>
-        </p:nvSpPr>
-        <p:spPr>
-          <a:xfrm>
-            <a:off x="1259632" y="4581128"/>
-            <a:ext cx="6400800" cy="694928"/>
-          </a:xfrm>
-        </p:spPr>
-        <p:txBody>
-          <a:bodyPr>
-            <a:normAutofit/>
-          </a:bodyPr>
-          <a:lstStyle/>
-          <a:p>
-            <a:r>
-              <a:rPr lang="en-US" altLang="zh-TW" dirty="0"/>
-              <a:t>Peter H. Chen</a:t>
-            </a:r>
-            <a:endParaRPr lang="zh-TW" altLang="en-US" dirty="0"/>
-          </a:p>
-        </p:txBody>
-      </p:sp>
-      <p:sp>
-        <p:nvSpPr>
           <p:cNvPr id="5" name="日期版面配置區 4"/>
           <p:cNvSpPr>
             <a:spLocks noGrp="1"/>
@@ -5541,36 +5511,6 @@
       </p:sp>
       <p:sp>
         <p:nvSpPr>
-          <p:cNvPr id="3" name="副標題 2"/>
-          <p:cNvSpPr>
-            <a:spLocks noGrp="1"/>
-          </p:cNvSpPr>
-          <p:nvPr>
-            <p:ph type="subTitle" idx="1"/>
-          </p:nvPr>
-        </p:nvSpPr>
-        <p:spPr>
-          <a:xfrm>
-            <a:off x="1259632" y="4581128"/>
-            <a:ext cx="6400800" cy="694928"/>
-          </a:xfrm>
-        </p:spPr>
-        <p:txBody>
-          <a:bodyPr>
-            <a:normAutofit/>
-          </a:bodyPr>
-          <a:lstStyle/>
-          <a:p>
-            <a:r>
-              <a:rPr lang="en-US" altLang="zh-TW" dirty="0"/>
-              <a:t>Peter H. Chen</a:t>
-            </a:r>
-            <a:endParaRPr lang="zh-TW" altLang="en-US" dirty="0"/>
-          </a:p>
-        </p:txBody>
-      </p:sp>
-      <p:sp>
-        <p:nvSpPr>
           <p:cNvPr id="5" name="日期版面配置區 4"/>
           <p:cNvSpPr>
             <a:spLocks noGrp="1"/>
@@ -6407,36 +6347,6 @@
                 <a:srgbClr val="FFFF00"/>
               </a:solidFill>
             </a:endParaRPr>
-          </a:p>
-        </p:txBody>
-      </p:sp>
-      <p:sp>
-        <p:nvSpPr>
-          <p:cNvPr id="3" name="副標題 2"/>
-          <p:cNvSpPr>
-            <a:spLocks noGrp="1"/>
-          </p:cNvSpPr>
-          <p:nvPr>
-            <p:ph type="subTitle" idx="1"/>
-          </p:nvPr>
-        </p:nvSpPr>
-        <p:spPr>
-          <a:xfrm>
-            <a:off x="1259632" y="4581128"/>
-            <a:ext cx="6400800" cy="694928"/>
-          </a:xfrm>
-        </p:spPr>
-        <p:txBody>
-          <a:bodyPr>
-            <a:normAutofit/>
-          </a:bodyPr>
-          <a:lstStyle/>
-          <a:p>
-            <a:r>
-              <a:rPr lang="en-US" altLang="zh-TW" dirty="0"/>
-              <a:t>Peter H. Chen</a:t>
-            </a:r>
-            <a:endParaRPr lang="zh-TW" altLang="en-US" dirty="0"/>
           </a:p>
         </p:txBody>
       </p:sp>
